--- a/SilverSurferVerslag/Verslag demo 6/Klassendiagramma.pptx
+++ b/SilverSurferVerslag/Verslag demo 6/Klassendiagramma.pptx
@@ -5,13 +5,9 @@
     <p:sldMasterId id="2147483648" r:id="rId1"/>
   </p:sldMasterIdLst>
   <p:sldIdLst>
-    <p:sldId id="256" r:id="rId2"/>
-    <p:sldId id="257" r:id="rId3"/>
-    <p:sldId id="258" r:id="rId4"/>
-    <p:sldId id="261" r:id="rId5"/>
-    <p:sldId id="260" r:id="rId6"/>
-    <p:sldId id="262" r:id="rId7"/>
-    <p:sldId id="259" r:id="rId8"/>
+    <p:sldId id="261" r:id="rId2"/>
+    <p:sldId id="260" r:id="rId3"/>
+    <p:sldId id="262" r:id="rId4"/>
   </p:sldIdLst>
   <p:sldSz cx="9144000" cy="6858000" type="screen4x3"/>
   <p:notesSz cx="6858000" cy="9144000"/>
@@ -115,17 +111,9 @@
       <p14:sectionLst xmlns:p14="http://schemas.microsoft.com/office/powerpoint/2010/main">
         <p14:section name="Standaardsectie" id="{812734B3-B3F5-4946-BC97-7BF827DD64CA}">
           <p14:sldIdLst>
-            <p14:sldId id="256"/>
-            <p14:sldId id="257"/>
-            <p14:sldId id="258"/>
             <p14:sldId id="261"/>
             <p14:sldId id="260"/>
-          </p14:sldIdLst>
-        </p14:section>
-        <p14:section name="Naamloze sectie" id="{BE203051-88F5-4CD0-953E-F525AE71D595}">
-          <p14:sldIdLst>
             <p14:sldId id="262"/>
-            <p14:sldId id="259"/>
           </p14:sldIdLst>
         </p14:section>
       </p14:sectionLst>
@@ -315,7 +303,7 @@
           <a:p>
             <a:fld id="{C9E9C0BE-A832-44F7-BFB7-77E7A556107C}" type="datetimeFigureOut">
               <a:rPr lang="nl-BE" smtClean="0"/>
-              <a:t>20/03/2013</a:t>
+              <a:t>16/04/2013</a:t>
             </a:fld>
             <a:endParaRPr lang="nl-BE"/>
           </a:p>
@@ -485,7 +473,7 @@
           <a:p>
             <a:fld id="{C9E9C0BE-A832-44F7-BFB7-77E7A556107C}" type="datetimeFigureOut">
               <a:rPr lang="nl-BE" smtClean="0"/>
-              <a:t>20/03/2013</a:t>
+              <a:t>16/04/2013</a:t>
             </a:fld>
             <a:endParaRPr lang="nl-BE"/>
           </a:p>
@@ -665,7 +653,7 @@
           <a:p>
             <a:fld id="{C9E9C0BE-A832-44F7-BFB7-77E7A556107C}" type="datetimeFigureOut">
               <a:rPr lang="nl-BE" smtClean="0"/>
-              <a:t>20/03/2013</a:t>
+              <a:t>16/04/2013</a:t>
             </a:fld>
             <a:endParaRPr lang="nl-BE"/>
           </a:p>
@@ -835,7 +823,7 @@
           <a:p>
             <a:fld id="{C9E9C0BE-A832-44F7-BFB7-77E7A556107C}" type="datetimeFigureOut">
               <a:rPr lang="nl-BE" smtClean="0"/>
-              <a:t>20/03/2013</a:t>
+              <a:t>16/04/2013</a:t>
             </a:fld>
             <a:endParaRPr lang="nl-BE"/>
           </a:p>
@@ -1081,7 +1069,7 @@
           <a:p>
             <a:fld id="{C9E9C0BE-A832-44F7-BFB7-77E7A556107C}" type="datetimeFigureOut">
               <a:rPr lang="nl-BE" smtClean="0"/>
-              <a:t>20/03/2013</a:t>
+              <a:t>16/04/2013</a:t>
             </a:fld>
             <a:endParaRPr lang="nl-BE"/>
           </a:p>
@@ -1369,7 +1357,7 @@
           <a:p>
             <a:fld id="{C9E9C0BE-A832-44F7-BFB7-77E7A556107C}" type="datetimeFigureOut">
               <a:rPr lang="nl-BE" smtClean="0"/>
-              <a:t>20/03/2013</a:t>
+              <a:t>16/04/2013</a:t>
             </a:fld>
             <a:endParaRPr lang="nl-BE"/>
           </a:p>
@@ -1791,7 +1779,7 @@
           <a:p>
             <a:fld id="{C9E9C0BE-A832-44F7-BFB7-77E7A556107C}" type="datetimeFigureOut">
               <a:rPr lang="nl-BE" smtClean="0"/>
-              <a:t>20/03/2013</a:t>
+              <a:t>16/04/2013</a:t>
             </a:fld>
             <a:endParaRPr lang="nl-BE"/>
           </a:p>
@@ -1909,7 +1897,7 @@
           <a:p>
             <a:fld id="{C9E9C0BE-A832-44F7-BFB7-77E7A556107C}" type="datetimeFigureOut">
               <a:rPr lang="nl-BE" smtClean="0"/>
-              <a:t>20/03/2013</a:t>
+              <a:t>16/04/2013</a:t>
             </a:fld>
             <a:endParaRPr lang="nl-BE"/>
           </a:p>
@@ -2004,7 +1992,7 @@
           <a:p>
             <a:fld id="{C9E9C0BE-A832-44F7-BFB7-77E7A556107C}" type="datetimeFigureOut">
               <a:rPr lang="nl-BE" smtClean="0"/>
-              <a:t>20/03/2013</a:t>
+              <a:t>16/04/2013</a:t>
             </a:fld>
             <a:endParaRPr lang="nl-BE"/>
           </a:p>
@@ -2281,7 +2269,7 @@
           <a:p>
             <a:fld id="{C9E9C0BE-A832-44F7-BFB7-77E7A556107C}" type="datetimeFigureOut">
               <a:rPr lang="nl-BE" smtClean="0"/>
-              <a:t>20/03/2013</a:t>
+              <a:t>16/04/2013</a:t>
             </a:fld>
             <a:endParaRPr lang="nl-BE"/>
           </a:p>
@@ -2534,7 +2522,7 @@
           <a:p>
             <a:fld id="{C9E9C0BE-A832-44F7-BFB7-77E7A556107C}" type="datetimeFigureOut">
               <a:rPr lang="nl-BE" smtClean="0"/>
-              <a:t>20/03/2013</a:t>
+              <a:t>16/04/2013</a:t>
             </a:fld>
             <a:endParaRPr lang="nl-BE"/>
           </a:p>
@@ -2747,7 +2735,7 @@
           <a:p>
             <a:fld id="{C9E9C0BE-A832-44F7-BFB7-77E7A556107C}" type="datetimeFigureOut">
               <a:rPr lang="nl-BE" smtClean="0"/>
-              <a:t>20/03/2013</a:t>
+              <a:t>16/04/2013</a:t>
             </a:fld>
             <a:endParaRPr lang="nl-BE"/>
           </a:p>
@@ -3124,1994 +3112,30 @@
       </p:grpSpPr>
       <p:grpSp>
         <p:nvGrpSpPr>
-          <p:cNvPr id="107" name="Groep 106"/>
+          <p:cNvPr id="40" name="Groep 39"/>
           <p:cNvGrpSpPr/>
           <p:nvPr/>
         </p:nvGrpSpPr>
         <p:grpSpPr>
           <a:xfrm>
-            <a:off x="142640" y="427566"/>
-            <a:ext cx="8389800" cy="5059752"/>
-            <a:chOff x="142640" y="427565"/>
-            <a:chExt cx="8389800" cy="5059752"/>
+            <a:off x="299608" y="543256"/>
+            <a:ext cx="8500865" cy="5864615"/>
+            <a:chOff x="342306" y="548680"/>
+            <a:chExt cx="8500865" cy="5864615"/>
           </a:xfrm>
         </p:grpSpPr>
         <p:grpSp>
           <p:nvGrpSpPr>
-            <p:cNvPr id="104" name="Groep 103"/>
+            <p:cNvPr id="36" name="Groep 35"/>
             <p:cNvGrpSpPr/>
             <p:nvPr/>
           </p:nvGrpSpPr>
           <p:grpSpPr>
             <a:xfrm>
-              <a:off x="1510793" y="3121477"/>
-              <a:ext cx="5977531" cy="1965730"/>
-              <a:chOff x="1510793" y="3121477"/>
-              <a:chExt cx="5977531" cy="1965730"/>
-            </a:xfrm>
-          </p:grpSpPr>
-          <p:cxnSp>
-            <p:nvCxnSpPr>
-              <p:cNvPr id="34" name="Gebogen verbindingslijn 33"/>
-              <p:cNvCxnSpPr>
-                <a:stCxn id="70" idx="2"/>
-                <a:endCxn id="19" idx="0"/>
-              </p:cNvCxnSpPr>
-              <p:nvPr/>
-            </p:nvCxnSpPr>
-            <p:spPr>
-              <a:xfrm rot="16200000" flipH="1">
-                <a:off x="3351095" y="2815481"/>
-                <a:ext cx="914909" cy="1526901"/>
-              </a:xfrm>
-              <a:prstGeom prst="bentConnector3">
-                <a:avLst>
-                  <a:gd name="adj1" fmla="val 50000"/>
-                </a:avLst>
-              </a:prstGeom>
-              <a:ln w="31750">
-                <a:solidFill>
-                  <a:srgbClr val="96329E"/>
-                </a:solidFill>
-                <a:headEnd w="lg" len="lg"/>
-                <a:tailEnd type="arrow" w="lg" len="lg"/>
-              </a:ln>
-            </p:spPr>
-            <p:style>
-              <a:lnRef idx="1">
-                <a:schemeClr val="accent1"/>
-              </a:lnRef>
-              <a:fillRef idx="0">
-                <a:schemeClr val="accent1"/>
-              </a:fillRef>
-              <a:effectRef idx="0">
-                <a:schemeClr val="accent1"/>
-              </a:effectRef>
-              <a:fontRef idx="minor">
-                <a:schemeClr val="tx1"/>
-              </a:fontRef>
-            </p:style>
-          </p:cxnSp>
-          <p:cxnSp>
-            <p:nvCxnSpPr>
-              <p:cNvPr id="36" name="Gebogen verbindingslijn 35"/>
-              <p:cNvCxnSpPr>
-                <a:stCxn id="70" idx="2"/>
-                <a:endCxn id="18" idx="0"/>
-              </p:cNvCxnSpPr>
-              <p:nvPr/>
-            </p:nvCxnSpPr>
-            <p:spPr>
-              <a:xfrm rot="5400000">
-                <a:off x="1821524" y="2810747"/>
-                <a:ext cx="912845" cy="1534307"/>
-              </a:xfrm>
-              <a:prstGeom prst="bentConnector3">
-                <a:avLst>
-                  <a:gd name="adj1" fmla="val 50000"/>
-                </a:avLst>
-              </a:prstGeom>
-              <a:ln w="31750">
-                <a:solidFill>
-                  <a:srgbClr val="96329E"/>
-                </a:solidFill>
-                <a:headEnd w="lg" len="lg"/>
-                <a:tailEnd type="arrow" w="lg" len="lg"/>
-              </a:ln>
-            </p:spPr>
-            <p:style>
-              <a:lnRef idx="1">
-                <a:schemeClr val="accent1"/>
-              </a:lnRef>
-              <a:fillRef idx="0">
-                <a:schemeClr val="accent1"/>
-              </a:fillRef>
-              <a:effectRef idx="0">
-                <a:schemeClr val="accent1"/>
-              </a:effectRef>
-              <a:fontRef idx="minor">
-                <a:schemeClr val="tx1"/>
-              </a:fontRef>
-            </p:style>
-          </p:cxnSp>
-          <p:cxnSp>
-            <p:nvCxnSpPr>
-              <p:cNvPr id="83" name="Rechte verbindingslijn met pijl 82"/>
-              <p:cNvCxnSpPr>
-                <a:stCxn id="19" idx="2"/>
-                <a:endCxn id="17" idx="0"/>
-              </p:cNvCxnSpPr>
-              <p:nvPr/>
-            </p:nvCxnSpPr>
-            <p:spPr>
-              <a:xfrm>
-                <a:off x="4572000" y="4498052"/>
-                <a:ext cx="0" cy="527598"/>
-              </a:xfrm>
-              <a:prstGeom prst="straightConnector1">
-                <a:avLst/>
-              </a:prstGeom>
-              <a:ln w="31750">
-                <a:solidFill>
-                  <a:srgbClr val="96329E"/>
-                </a:solidFill>
-                <a:headEnd w="lg" len="lg"/>
-                <a:tailEnd type="arrow" w="lg" len="lg"/>
-              </a:ln>
-            </p:spPr>
-            <p:style>
-              <a:lnRef idx="1">
-                <a:schemeClr val="accent1"/>
-              </a:lnRef>
-              <a:fillRef idx="0">
-                <a:schemeClr val="accent1"/>
-              </a:fillRef>
-              <a:effectRef idx="0">
-                <a:schemeClr val="accent1"/>
-              </a:effectRef>
-              <a:fontRef idx="minor">
-                <a:schemeClr val="tx1"/>
-              </a:fontRef>
-            </p:style>
-          </p:cxnSp>
-          <p:cxnSp>
-            <p:nvCxnSpPr>
-              <p:cNvPr id="89" name="Rechte verbindingslijn met pijl 88"/>
-              <p:cNvCxnSpPr>
-                <a:stCxn id="82" idx="2"/>
-                <a:endCxn id="88" idx="0"/>
-              </p:cNvCxnSpPr>
-              <p:nvPr/>
-            </p:nvCxnSpPr>
-            <p:spPr>
-              <a:xfrm>
-                <a:off x="7488324" y="4498052"/>
-                <a:ext cx="0" cy="589155"/>
-              </a:xfrm>
-              <a:prstGeom prst="straightConnector1">
-                <a:avLst/>
-              </a:prstGeom>
-              <a:ln w="31750">
-                <a:solidFill>
-                  <a:srgbClr val="96329E"/>
-                </a:solidFill>
-                <a:headEnd w="lg" len="lg"/>
-                <a:tailEnd type="arrow" w="lg" len="lg"/>
-              </a:ln>
-            </p:spPr>
-            <p:style>
-              <a:lnRef idx="1">
-                <a:schemeClr val="accent1"/>
-              </a:lnRef>
-              <a:fillRef idx="0">
-                <a:schemeClr val="accent1"/>
-              </a:fillRef>
-              <a:effectRef idx="0">
-                <a:schemeClr val="accent1"/>
-              </a:effectRef>
-              <a:fontRef idx="minor">
-                <a:schemeClr val="tx1"/>
-              </a:fontRef>
-            </p:style>
-          </p:cxnSp>
-        </p:grpSp>
-        <p:grpSp>
-          <p:nvGrpSpPr>
-            <p:cNvPr id="106" name="Groep 105"/>
-            <p:cNvGrpSpPr/>
-            <p:nvPr/>
-          </p:nvGrpSpPr>
-          <p:grpSpPr>
-            <a:xfrm>
-              <a:off x="142640" y="427565"/>
-              <a:ext cx="8389800" cy="5059752"/>
-              <a:chOff x="142640" y="427565"/>
-              <a:chExt cx="8389800" cy="5059752"/>
-            </a:xfrm>
-          </p:grpSpPr>
-          <p:sp>
-            <p:nvSpPr>
-              <p:cNvPr id="4" name="Tekstvak 3"/>
-              <p:cNvSpPr txBox="1">
-                <a:spLocks noChangeAspect="1"/>
-              </p:cNvSpPr>
-              <p:nvPr/>
-            </p:nvSpPr>
-            <p:spPr>
-              <a:xfrm>
-                <a:off x="1676947" y="427565"/>
-                <a:ext cx="2736304" cy="523220"/>
-              </a:xfrm>
-              <a:prstGeom prst="rect">
-                <a:avLst/>
-              </a:prstGeom>
-              <a:noFill/>
-              <a:ln>
-                <a:solidFill>
-                  <a:schemeClr val="tx1"/>
-                </a:solidFill>
-              </a:ln>
-            </p:spPr>
-            <p:txBody>
-              <a:bodyPr wrap="square" rtlCol="0" anchor="ctr" anchorCtr="1">
-                <a:spAutoFit/>
-              </a:bodyPr>
-              <a:lstStyle>
-                <a:defPPr>
-                  <a:defRPr lang="nl-BE"/>
-                </a:defPPr>
-                <a:lvl1pPr algn="ctr">
-                  <a:defRPr sz="2800" b="1">
-                    <a:solidFill>
-                      <a:srgbClr val="FF0000"/>
-                    </a:solidFill>
-                    <a:latin typeface="Times New Roman" pitchFamily="18" charset="0"/>
-                    <a:cs typeface="Times New Roman" pitchFamily="18" charset="0"/>
-                  </a:defRPr>
-                </a:lvl1pPr>
-              </a:lstStyle>
-              <a:p>
-                <a:r>
-                  <a:rPr lang="nl-BE" dirty="0"/>
-                  <a:t>Gui</a:t>
-                </a:r>
-              </a:p>
-            </p:txBody>
-          </p:sp>
-          <p:sp>
-            <p:nvSpPr>
-              <p:cNvPr id="6" name="Tekstvak 5"/>
-              <p:cNvSpPr txBox="1">
-                <a:spLocks noChangeAspect="1"/>
-              </p:cNvSpPr>
-              <p:nvPr/>
-            </p:nvSpPr>
-            <p:spPr>
-              <a:xfrm>
-                <a:off x="1676947" y="1568557"/>
-                <a:ext cx="2736304" cy="461665"/>
-              </a:xfrm>
-              <a:prstGeom prst="rect">
-                <a:avLst/>
-              </a:prstGeom>
-              <a:noFill/>
-              <a:ln>
-                <a:solidFill>
-                  <a:schemeClr val="tx1"/>
-                </a:solidFill>
-              </a:ln>
-            </p:spPr>
-            <p:txBody>
-              <a:bodyPr wrap="square" rtlCol="0" anchor="ctr" anchorCtr="1">
-                <a:spAutoFit/>
-              </a:bodyPr>
-              <a:lstStyle/>
-              <a:p>
-                <a:pPr algn="ctr"/>
-                <a:r>
-                  <a:rPr lang="nl-BE" sz="2400" dirty="0" err="1">
-                    <a:latin typeface="Times New Roman" pitchFamily="18" charset="0"/>
-                    <a:cs typeface="Times New Roman" pitchFamily="18" charset="0"/>
-                  </a:rPr>
-                  <a:t>SimulatorPanel</a:t>
-                </a:r>
-                <a:endParaRPr lang="nl-BE" dirty="0">
-                  <a:latin typeface="Times New Roman" pitchFamily="18" charset="0"/>
-                  <a:cs typeface="Times New Roman" pitchFamily="18" charset="0"/>
-                </a:endParaRPr>
-              </a:p>
-            </p:txBody>
-          </p:sp>
-          <p:sp>
-            <p:nvSpPr>
-              <p:cNvPr id="17" name="Tekstvak 16"/>
-              <p:cNvSpPr txBox="1">
-                <a:spLocks noChangeAspect="1"/>
-              </p:cNvSpPr>
-              <p:nvPr/>
-            </p:nvSpPr>
-            <p:spPr>
-              <a:xfrm>
-                <a:off x="3203848" y="5025650"/>
-                <a:ext cx="2736304" cy="461665"/>
-              </a:xfrm>
-              <a:prstGeom prst="rect">
-                <a:avLst/>
-              </a:prstGeom>
-              <a:noFill/>
-              <a:ln>
-                <a:solidFill>
-                  <a:schemeClr val="tx1"/>
-                </a:solidFill>
-              </a:ln>
-            </p:spPr>
-            <p:txBody>
-              <a:bodyPr wrap="square" rtlCol="0" anchor="ctr" anchorCtr="1">
-                <a:spAutoFit/>
-              </a:bodyPr>
-              <a:lstStyle/>
-              <a:p>
-                <a:pPr algn="ctr"/>
-                <a:r>
-                  <a:rPr lang="nl-BE" sz="2400" dirty="0" err="1">
-                    <a:latin typeface="Times New Roman" pitchFamily="18" charset="0"/>
-                    <a:cs typeface="Times New Roman" pitchFamily="18" charset="0"/>
-                  </a:rPr>
-                  <a:t>UnitViewport</a:t>
-                </a:r>
-                <a:endParaRPr lang="nl-BE" dirty="0">
-                  <a:latin typeface="Times New Roman" pitchFamily="18" charset="0"/>
-                  <a:cs typeface="Times New Roman" pitchFamily="18" charset="0"/>
-                </a:endParaRPr>
-              </a:p>
-            </p:txBody>
-          </p:sp>
-          <p:sp>
-            <p:nvSpPr>
-              <p:cNvPr id="18" name="Tekstvak 17"/>
-              <p:cNvSpPr txBox="1">
-                <a:spLocks noChangeAspect="1"/>
-              </p:cNvSpPr>
-              <p:nvPr/>
-            </p:nvSpPr>
-            <p:spPr>
-              <a:xfrm>
-                <a:off x="142640" y="4034323"/>
-                <a:ext cx="2736304" cy="461665"/>
-              </a:xfrm>
-              <a:prstGeom prst="rect">
-                <a:avLst/>
-              </a:prstGeom>
-              <a:noFill/>
-              <a:ln>
-                <a:solidFill>
-                  <a:schemeClr val="tx1"/>
-                </a:solidFill>
-              </a:ln>
-            </p:spPr>
-            <p:txBody>
-              <a:bodyPr wrap="square" rtlCol="0" anchor="ctr" anchorCtr="1">
-                <a:spAutoFit/>
-              </a:bodyPr>
-              <a:lstStyle/>
-              <a:p>
-                <a:pPr algn="ctr"/>
-                <a:r>
-                  <a:rPr lang="nl-BE" sz="2400" dirty="0" err="1">
-                    <a:latin typeface="Times New Roman" pitchFamily="18" charset="0"/>
-                    <a:cs typeface="Times New Roman" pitchFamily="18" charset="0"/>
-                  </a:rPr>
-                  <a:t>OverallViewport</a:t>
-                </a:r>
-                <a:endParaRPr lang="nl-BE" dirty="0">
-                  <a:latin typeface="Times New Roman" pitchFamily="18" charset="0"/>
-                  <a:cs typeface="Times New Roman" pitchFamily="18" charset="0"/>
-                </a:endParaRPr>
-              </a:p>
-            </p:txBody>
-          </p:sp>
-          <p:sp>
-            <p:nvSpPr>
-              <p:cNvPr id="70" name="Tekstvak 69"/>
-              <p:cNvSpPr txBox="1">
-                <a:spLocks noChangeAspect="1"/>
-              </p:cNvSpPr>
-              <p:nvPr/>
-            </p:nvSpPr>
-            <p:spPr>
-              <a:xfrm>
-                <a:off x="1676947" y="2659813"/>
-                <a:ext cx="2736304" cy="461665"/>
-              </a:xfrm>
-              <a:prstGeom prst="rect">
-                <a:avLst/>
-              </a:prstGeom>
-              <a:noFill/>
-              <a:ln>
-                <a:solidFill>
-                  <a:schemeClr val="tx1"/>
-                </a:solidFill>
-              </a:ln>
-            </p:spPr>
-            <p:txBody>
-              <a:bodyPr wrap="square" rtlCol="0" anchor="ctr" anchorCtr="1">
-                <a:spAutoFit/>
-              </a:bodyPr>
-              <a:lstStyle/>
-              <a:p>
-                <a:pPr algn="ctr"/>
-                <a:r>
-                  <a:rPr lang="nl-BE" sz="2400" i="1" dirty="0" err="1">
-                    <a:latin typeface="Times New Roman" pitchFamily="18" charset="0"/>
-                    <a:cs typeface="Times New Roman" pitchFamily="18" charset="0"/>
-                  </a:rPr>
-                  <a:t>ViewportInterface</a:t>
-                </a:r>
-                <a:endParaRPr lang="nl-BE" i="1" dirty="0">
-                  <a:latin typeface="Times New Roman" pitchFamily="18" charset="0"/>
-                  <a:cs typeface="Times New Roman" pitchFamily="18" charset="0"/>
-                </a:endParaRPr>
-              </a:p>
-            </p:txBody>
-          </p:sp>
-          <p:sp>
-            <p:nvSpPr>
-              <p:cNvPr id="82" name="Tekstvak 81"/>
-              <p:cNvSpPr txBox="1">
-                <a:spLocks noChangeAspect="1"/>
-              </p:cNvSpPr>
-              <p:nvPr/>
-            </p:nvSpPr>
-            <p:spPr>
-              <a:xfrm>
-                <a:off x="6444208" y="4036387"/>
-                <a:ext cx="2088232" cy="461665"/>
-              </a:xfrm>
-              <a:prstGeom prst="rect">
-                <a:avLst/>
-              </a:prstGeom>
-              <a:noFill/>
-              <a:ln>
-                <a:solidFill>
-                  <a:schemeClr val="tx1"/>
-                </a:solidFill>
-              </a:ln>
-            </p:spPr>
-            <p:txBody>
-              <a:bodyPr wrap="square" rtlCol="0" anchor="ctr" anchorCtr="1">
-                <a:spAutoFit/>
-              </a:bodyPr>
-              <a:lstStyle>
-                <a:defPPr>
-                  <a:defRPr lang="nl-BE"/>
-                </a:defPPr>
-                <a:lvl1pPr algn="ctr">
-                  <a:defRPr sz="2000">
-                    <a:latin typeface="Times New Roman" pitchFamily="18" charset="0"/>
-                    <a:cs typeface="Times New Roman" pitchFamily="18" charset="0"/>
-                  </a:defRPr>
-                </a:lvl1pPr>
-              </a:lstStyle>
-              <a:p>
-                <a:r>
-                  <a:rPr lang="nl-BE" sz="2400" i="1" dirty="0" err="1"/>
-                  <a:t>PilotInterface</a:t>
-                </a:r>
-                <a:endParaRPr lang="nl-BE" sz="2400" i="1" dirty="0"/>
-              </a:p>
-            </p:txBody>
-          </p:sp>
-          <p:sp>
-            <p:nvSpPr>
-              <p:cNvPr id="88" name="Tekstvak 87"/>
-              <p:cNvSpPr txBox="1">
-                <a:spLocks noChangeAspect="1"/>
-              </p:cNvSpPr>
-              <p:nvPr/>
-            </p:nvSpPr>
-            <p:spPr>
-              <a:xfrm>
-                <a:off x="6444208" y="5087207"/>
-                <a:ext cx="2088232" cy="400110"/>
-              </a:xfrm>
-              <a:prstGeom prst="rect">
-                <a:avLst/>
-              </a:prstGeom>
-              <a:noFill/>
-              <a:ln>
-                <a:solidFill>
-                  <a:schemeClr val="tx1"/>
-                </a:solidFill>
-              </a:ln>
-            </p:spPr>
-            <p:txBody>
-              <a:bodyPr wrap="square" rtlCol="0" anchor="ctr" anchorCtr="1">
-                <a:spAutoFit/>
-              </a:bodyPr>
-              <a:lstStyle>
-                <a:defPPr>
-                  <a:defRPr lang="nl-BE"/>
-                </a:defPPr>
-                <a:lvl1pPr algn="ctr">
-                  <a:defRPr sz="2000">
-                    <a:latin typeface="Times New Roman" pitchFamily="18" charset="0"/>
-                    <a:cs typeface="Times New Roman" pitchFamily="18" charset="0"/>
-                  </a:defRPr>
-                </a:lvl1pPr>
-              </a:lstStyle>
-              <a:p>
-                <a:r>
-                  <a:rPr lang="nl-BE" dirty="0" smtClean="0"/>
-                  <a:t>…</a:t>
-                </a:r>
-                <a:endParaRPr lang="nl-BE" dirty="0"/>
-              </a:p>
-            </p:txBody>
-          </p:sp>
-          <p:sp>
-            <p:nvSpPr>
-              <p:cNvPr id="19" name="Tekstvak 18"/>
-              <p:cNvSpPr txBox="1">
-                <a:spLocks noChangeAspect="1"/>
-              </p:cNvSpPr>
-              <p:nvPr/>
-            </p:nvSpPr>
-            <p:spPr>
-              <a:xfrm>
-                <a:off x="3203848" y="4036387"/>
-                <a:ext cx="2736304" cy="461665"/>
-              </a:xfrm>
-              <a:prstGeom prst="rect">
-                <a:avLst/>
-              </a:prstGeom>
-              <a:noFill/>
-              <a:ln>
-                <a:solidFill>
-                  <a:schemeClr val="tx1"/>
-                </a:solidFill>
-              </a:ln>
-            </p:spPr>
-            <p:txBody>
-              <a:bodyPr wrap="square" rtlCol="0" anchor="ctr" anchorCtr="1">
-                <a:spAutoFit/>
-              </a:bodyPr>
-              <a:lstStyle/>
-              <a:p>
-                <a:pPr algn="ctr"/>
-                <a:r>
-                  <a:rPr lang="nl-BE" sz="2400" dirty="0" err="1">
-                    <a:latin typeface="Times New Roman" pitchFamily="18" charset="0"/>
-                    <a:cs typeface="Times New Roman" pitchFamily="18" charset="0"/>
-                  </a:rPr>
-                  <a:t>DummyViewport</a:t>
-                </a:r>
-                <a:endParaRPr lang="nl-BE" dirty="0">
-                  <a:latin typeface="Times New Roman" pitchFamily="18" charset="0"/>
-                  <a:cs typeface="Times New Roman" pitchFamily="18" charset="0"/>
-                </a:endParaRPr>
-              </a:p>
-            </p:txBody>
-          </p:sp>
-        </p:grpSp>
-        <p:grpSp>
-          <p:nvGrpSpPr>
-            <p:cNvPr id="105" name="Groep 104"/>
-            <p:cNvGrpSpPr/>
-            <p:nvPr/>
-          </p:nvGrpSpPr>
-          <p:grpSpPr>
-            <a:xfrm>
-              <a:off x="3045099" y="950785"/>
-              <a:ext cx="3399109" cy="3316435"/>
-              <a:chOff x="3045099" y="950785"/>
-              <a:chExt cx="3399109" cy="3316435"/>
-            </a:xfrm>
-          </p:grpSpPr>
-          <p:cxnSp>
-            <p:nvCxnSpPr>
-              <p:cNvPr id="32" name="Rechte verbindingslijn met pijl 31"/>
-              <p:cNvCxnSpPr>
-                <a:stCxn id="6" idx="0"/>
-                <a:endCxn id="4" idx="2"/>
-              </p:cNvCxnSpPr>
-              <p:nvPr/>
-            </p:nvCxnSpPr>
-            <p:spPr>
-              <a:xfrm flipV="1">
-                <a:off x="3045099" y="950785"/>
-                <a:ext cx="0" cy="617772"/>
-              </a:xfrm>
-              <a:prstGeom prst="straightConnector1">
-                <a:avLst/>
-              </a:prstGeom>
-              <a:ln w="31750">
-                <a:headEnd w="lg" len="lg"/>
-                <a:tailEnd type="arrow" w="lg" len="lg"/>
-              </a:ln>
-            </p:spPr>
-            <p:style>
-              <a:lnRef idx="1">
-                <a:schemeClr val="accent1"/>
-              </a:lnRef>
-              <a:fillRef idx="0">
-                <a:schemeClr val="accent1"/>
-              </a:fillRef>
-              <a:effectRef idx="0">
-                <a:schemeClr val="accent1"/>
-              </a:effectRef>
-              <a:fontRef idx="minor">
-                <a:schemeClr val="tx1"/>
-              </a:fontRef>
-            </p:style>
-          </p:cxnSp>
-          <p:cxnSp>
-            <p:nvCxnSpPr>
-              <p:cNvPr id="78" name="Rechte verbindingslijn met pijl 77"/>
-              <p:cNvCxnSpPr>
-                <a:stCxn id="70" idx="0"/>
-                <a:endCxn id="6" idx="2"/>
-              </p:cNvCxnSpPr>
-              <p:nvPr/>
-            </p:nvCxnSpPr>
-            <p:spPr>
-              <a:xfrm flipV="1">
-                <a:off x="3045099" y="2030222"/>
-                <a:ext cx="0" cy="629591"/>
-              </a:xfrm>
-              <a:prstGeom prst="straightConnector1">
-                <a:avLst/>
-              </a:prstGeom>
-              <a:ln w="31750">
-                <a:headEnd w="lg" len="lg"/>
-                <a:tailEnd type="arrow" w="lg" len="lg"/>
-              </a:ln>
-            </p:spPr>
-            <p:style>
-              <a:lnRef idx="1">
-                <a:schemeClr val="accent1"/>
-              </a:lnRef>
-              <a:fillRef idx="0">
-                <a:schemeClr val="accent1"/>
-              </a:fillRef>
-              <a:effectRef idx="0">
-                <a:schemeClr val="accent1"/>
-              </a:effectRef>
-              <a:fontRef idx="minor">
-                <a:schemeClr val="tx1"/>
-              </a:fontRef>
-            </p:style>
-          </p:cxnSp>
-          <p:cxnSp>
-            <p:nvCxnSpPr>
-              <p:cNvPr id="15" name="Rechte verbindingslijn met pijl 14"/>
-              <p:cNvCxnSpPr>
-                <a:stCxn id="82" idx="1"/>
-                <a:endCxn id="19" idx="3"/>
-              </p:cNvCxnSpPr>
-              <p:nvPr/>
-            </p:nvCxnSpPr>
-            <p:spPr>
-              <a:xfrm flipH="1">
-                <a:off x="5940152" y="4267220"/>
-                <a:ext cx="504056" cy="0"/>
-              </a:xfrm>
-              <a:prstGeom prst="straightConnector1">
-                <a:avLst/>
-              </a:prstGeom>
-              <a:ln w="31750">
-                <a:headEnd w="lg" len="lg"/>
-                <a:tailEnd type="arrow" w="lg" len="lg"/>
-              </a:ln>
-            </p:spPr>
-            <p:style>
-              <a:lnRef idx="1">
-                <a:schemeClr val="accent1"/>
-              </a:lnRef>
-              <a:fillRef idx="0">
-                <a:schemeClr val="accent1"/>
-              </a:fillRef>
-              <a:effectRef idx="0">
-                <a:schemeClr val="accent1"/>
-              </a:effectRef>
-              <a:fontRef idx="minor">
-                <a:schemeClr val="tx1"/>
-              </a:fontRef>
-            </p:style>
-          </p:cxnSp>
-        </p:grpSp>
-      </p:grpSp>
-    </p:spTree>
-    <p:extLst>
-      <p:ext uri="{BB962C8B-B14F-4D97-AF65-F5344CB8AC3E}">
-        <p14:creationId xmlns:p14="http://schemas.microsoft.com/office/powerpoint/2010/main" val="3268277706"/>
-      </p:ext>
-    </p:extLst>
-  </p:cSld>
-  <p:clrMapOvr>
-    <a:masterClrMapping/>
-  </p:clrMapOvr>
-</p:sld>
-</file>
-
-<file path=ppt/slides/slide2.xml><?xml version="1.0" encoding="utf-8"?>
-<p:sld xmlns:a="http://schemas.openxmlformats.org/drawingml/2006/main" xmlns:r="http://schemas.openxmlformats.org/officeDocument/2006/relationships" xmlns:p="http://schemas.openxmlformats.org/presentationml/2006/main">
-  <p:cSld>
-    <p:spTree>
-      <p:nvGrpSpPr>
-        <p:cNvPr id="1" name=""/>
-        <p:cNvGrpSpPr/>
-        <p:nvPr/>
-      </p:nvGrpSpPr>
-      <p:grpSpPr>
-        <a:xfrm>
-          <a:off x="0" y="0"/>
-          <a:ext cx="0" cy="0"/>
-          <a:chOff x="0" y="0"/>
-          <a:chExt cx="0" cy="0"/>
-        </a:xfrm>
-      </p:grpSpPr>
-      <p:grpSp>
-        <p:nvGrpSpPr>
-          <p:cNvPr id="11" name="Groep 10"/>
-          <p:cNvGrpSpPr/>
-          <p:nvPr/>
-        </p:nvGrpSpPr>
-        <p:grpSpPr>
-          <a:xfrm>
-            <a:off x="1360739" y="950870"/>
-            <a:ext cx="6268359" cy="5234395"/>
-            <a:chOff x="2402041" y="958488"/>
-            <a:chExt cx="6268358" cy="5234395"/>
-          </a:xfrm>
-        </p:grpSpPr>
-        <p:grpSp>
-          <p:nvGrpSpPr>
-            <p:cNvPr id="3" name="Groep 2"/>
-            <p:cNvGrpSpPr/>
-            <p:nvPr/>
-          </p:nvGrpSpPr>
-          <p:grpSpPr>
-            <a:xfrm>
-              <a:off x="3387718" y="2366709"/>
-              <a:ext cx="4297004" cy="2211571"/>
-              <a:chOff x="3387718" y="2366709"/>
-              <a:chExt cx="4297004" cy="2211571"/>
-            </a:xfrm>
-          </p:grpSpPr>
-          <p:cxnSp>
-            <p:nvCxnSpPr>
-              <p:cNvPr id="36" name="Gebogen verbindingslijn 35"/>
-              <p:cNvCxnSpPr>
-                <a:stCxn id="8" idx="2"/>
-                <a:endCxn id="4" idx="0"/>
-              </p:cNvCxnSpPr>
-              <p:nvPr/>
-            </p:nvCxnSpPr>
-            <p:spPr>
-              <a:xfrm rot="5400000">
-                <a:off x="4937509" y="2017581"/>
-                <a:ext cx="831326" cy="1529583"/>
-              </a:xfrm>
-              <a:prstGeom prst="bentConnector3">
-                <a:avLst/>
-              </a:prstGeom>
-              <a:ln w="31750">
-                <a:solidFill>
-                  <a:srgbClr val="96329E"/>
-                </a:solidFill>
-                <a:headEnd w="lg" len="lg"/>
-                <a:tailEnd type="arrow" w="lg" len="lg"/>
-              </a:ln>
-            </p:spPr>
-            <p:style>
-              <a:lnRef idx="1">
-                <a:schemeClr val="accent1"/>
-              </a:lnRef>
-              <a:fillRef idx="0">
-                <a:schemeClr val="accent1"/>
-              </a:fillRef>
-              <a:effectRef idx="0">
-                <a:schemeClr val="accent1"/>
-              </a:effectRef>
-              <a:fontRef idx="minor">
-                <a:schemeClr val="tx1"/>
-              </a:fontRef>
-            </p:style>
-          </p:cxnSp>
-          <p:cxnSp>
-            <p:nvCxnSpPr>
-              <p:cNvPr id="38" name="Gebogen verbindingslijn 37"/>
-              <p:cNvCxnSpPr>
-                <a:stCxn id="8" idx="2"/>
-                <a:endCxn id="7" idx="0"/>
-              </p:cNvCxnSpPr>
-              <p:nvPr/>
-            </p:nvCxnSpPr>
-            <p:spPr>
-              <a:xfrm rot="16200000" flipH="1">
-                <a:off x="6485679" y="1998991"/>
-                <a:ext cx="831326" cy="1566761"/>
-              </a:xfrm>
-              <a:prstGeom prst="bentConnector3">
-                <a:avLst/>
-              </a:prstGeom>
-              <a:ln w="31750">
-                <a:solidFill>
-                  <a:srgbClr val="96329E"/>
-                </a:solidFill>
-                <a:headEnd w="lg" len="lg"/>
-                <a:tailEnd type="arrow" w="lg" len="lg"/>
-              </a:ln>
-            </p:spPr>
-            <p:style>
-              <a:lnRef idx="1">
-                <a:schemeClr val="accent1"/>
-              </a:lnRef>
-              <a:fillRef idx="0">
-                <a:schemeClr val="accent1"/>
-              </a:fillRef>
-              <a:effectRef idx="0">
-                <a:schemeClr val="accent1"/>
-              </a:effectRef>
-              <a:fontRef idx="minor">
-                <a:schemeClr val="tx1"/>
-              </a:fontRef>
-            </p:style>
-          </p:cxnSp>
-          <p:cxnSp>
-            <p:nvCxnSpPr>
-              <p:cNvPr id="40" name="Gebogen verbindingslijn 39"/>
-              <p:cNvCxnSpPr>
-                <a:stCxn id="4" idx="2"/>
-                <a:endCxn id="6" idx="0"/>
-              </p:cNvCxnSpPr>
-              <p:nvPr/>
-            </p:nvCxnSpPr>
-            <p:spPr>
-              <a:xfrm rot="5400000">
-                <a:off x="3497982" y="3487881"/>
-                <a:ext cx="980135" cy="1200663"/>
-              </a:xfrm>
-              <a:prstGeom prst="bentConnector3">
-                <a:avLst/>
-              </a:prstGeom>
-              <a:ln w="31750">
-                <a:solidFill>
-                  <a:srgbClr val="96329E"/>
-                </a:solidFill>
-                <a:headEnd w="lg" len="lg"/>
-                <a:tailEnd type="arrow" w="lg" len="lg"/>
-              </a:ln>
-            </p:spPr>
-            <p:style>
-              <a:lnRef idx="1">
-                <a:schemeClr val="accent1"/>
-              </a:lnRef>
-              <a:fillRef idx="0">
-                <a:schemeClr val="accent1"/>
-              </a:fillRef>
-              <a:effectRef idx="0">
-                <a:schemeClr val="accent1"/>
-              </a:effectRef>
-              <a:fontRef idx="minor">
-                <a:schemeClr val="tx1"/>
-              </a:fontRef>
-            </p:style>
-          </p:cxnSp>
-          <p:cxnSp>
-            <p:nvCxnSpPr>
-              <p:cNvPr id="42" name="Gebogen verbindingslijn 41"/>
-              <p:cNvCxnSpPr>
-                <a:stCxn id="4" idx="2"/>
-                <a:endCxn id="5" idx="0"/>
-              </p:cNvCxnSpPr>
-              <p:nvPr/>
-            </p:nvCxnSpPr>
-            <p:spPr>
-              <a:xfrm rot="16200000" flipH="1">
-                <a:off x="4708549" y="3477975"/>
-                <a:ext cx="980134" cy="1220473"/>
-              </a:xfrm>
-              <a:prstGeom prst="bentConnector3">
-                <a:avLst/>
-              </a:prstGeom>
-              <a:ln w="31750">
-                <a:solidFill>
-                  <a:srgbClr val="96329E"/>
-                </a:solidFill>
-                <a:headEnd w="lg" len="lg"/>
-                <a:tailEnd type="arrow" w="lg" len="lg"/>
-              </a:ln>
-            </p:spPr>
-            <p:style>
-              <a:lnRef idx="1">
-                <a:schemeClr val="accent1"/>
-              </a:lnRef>
-              <a:fillRef idx="0">
-                <a:schemeClr val="accent1"/>
-              </a:fillRef>
-              <a:effectRef idx="0">
-                <a:schemeClr val="accent1"/>
-              </a:effectRef>
-              <a:fontRef idx="minor">
-                <a:schemeClr val="tx1"/>
-              </a:fontRef>
-            </p:style>
-          </p:cxnSp>
-        </p:grpSp>
-        <p:grpSp>
-          <p:nvGrpSpPr>
-            <p:cNvPr id="10" name="Groep 9"/>
-            <p:cNvGrpSpPr/>
-            <p:nvPr/>
-          </p:nvGrpSpPr>
-          <p:grpSpPr>
-            <a:xfrm>
-              <a:off x="2402041" y="958488"/>
-              <a:ext cx="6268358" cy="5234395"/>
-              <a:chOff x="2402041" y="958488"/>
-              <a:chExt cx="6268358" cy="5234395"/>
-            </a:xfrm>
-          </p:grpSpPr>
-          <p:sp>
-            <p:nvSpPr>
-              <p:cNvPr id="4" name="Tekstvak 3"/>
-              <p:cNvSpPr txBox="1">
-                <a:spLocks noChangeAspect="1"/>
-              </p:cNvSpPr>
-              <p:nvPr/>
-            </p:nvSpPr>
-            <p:spPr>
-              <a:xfrm>
-                <a:off x="3602704" y="3198035"/>
-                <a:ext cx="1971352" cy="400110"/>
-              </a:xfrm>
-              <a:prstGeom prst="rect">
-                <a:avLst/>
-              </a:prstGeom>
-              <a:noFill/>
-              <a:ln>
-                <a:solidFill>
-                  <a:schemeClr val="tx1"/>
-                </a:solidFill>
-              </a:ln>
-            </p:spPr>
-            <p:txBody>
-              <a:bodyPr wrap="square" rtlCol="0" anchor="ctr" anchorCtr="1">
-                <a:spAutoFit/>
-              </a:bodyPr>
-              <a:lstStyle>
-                <a:defPPr>
-                  <a:defRPr lang="nl-BE"/>
-                </a:defPPr>
-                <a:lvl1pPr algn="ctr">
-                  <a:defRPr sz="2000">
-                    <a:latin typeface="Times New Roman" pitchFamily="18" charset="0"/>
-                    <a:cs typeface="Times New Roman" pitchFamily="18" charset="0"/>
-                  </a:defRPr>
-                </a:lvl1pPr>
-              </a:lstStyle>
-              <a:p>
-                <a:r>
-                  <a:rPr lang="nl-BE" dirty="0" err="1"/>
-                  <a:t>AbstractPilot</a:t>
-                </a:r>
-                <a:endParaRPr lang="nl-BE" dirty="0"/>
-              </a:p>
-            </p:txBody>
-          </p:sp>
-          <p:sp>
-            <p:nvSpPr>
-              <p:cNvPr id="5" name="Tekstvak 4"/>
-              <p:cNvSpPr txBox="1">
-                <a:spLocks noChangeAspect="1"/>
-              </p:cNvSpPr>
-              <p:nvPr/>
-            </p:nvSpPr>
-            <p:spPr>
-              <a:xfrm>
-                <a:off x="4823177" y="4578279"/>
-                <a:ext cx="1971352" cy="400110"/>
-              </a:xfrm>
-              <a:prstGeom prst="rect">
-                <a:avLst/>
-              </a:prstGeom>
-              <a:noFill/>
-              <a:ln>
-                <a:solidFill>
-                  <a:schemeClr val="tx1"/>
-                </a:solidFill>
-              </a:ln>
-            </p:spPr>
-            <p:txBody>
-              <a:bodyPr wrap="square" rtlCol="0" anchor="ctr" anchorCtr="1">
-                <a:spAutoFit/>
-              </a:bodyPr>
-              <a:lstStyle>
-                <a:defPPr>
-                  <a:defRPr lang="nl-BE"/>
-                </a:defPPr>
-                <a:lvl1pPr algn="ctr">
-                  <a:defRPr sz="2000">
-                    <a:latin typeface="Times New Roman" pitchFamily="18" charset="0"/>
-                    <a:cs typeface="Times New Roman" pitchFamily="18" charset="0"/>
-                  </a:defRPr>
-                </a:lvl1pPr>
-              </a:lstStyle>
-              <a:p>
-                <a:r>
-                  <a:rPr lang="nl-BE" dirty="0" err="1"/>
-                  <a:t>SimulatorPilot</a:t>
-                </a:r>
-                <a:endParaRPr lang="nl-BE" dirty="0"/>
-              </a:p>
-            </p:txBody>
-          </p:sp>
-          <p:sp>
-            <p:nvSpPr>
-              <p:cNvPr id="6" name="Tekstvak 5"/>
-              <p:cNvSpPr txBox="1">
-                <a:spLocks noChangeAspect="1"/>
-              </p:cNvSpPr>
-              <p:nvPr/>
-            </p:nvSpPr>
-            <p:spPr>
-              <a:xfrm>
-                <a:off x="2402041" y="4578280"/>
-                <a:ext cx="1971352" cy="400110"/>
-              </a:xfrm>
-              <a:prstGeom prst="rect">
-                <a:avLst/>
-              </a:prstGeom>
-              <a:noFill/>
-              <a:ln>
-                <a:solidFill>
-                  <a:schemeClr val="tx1"/>
-                </a:solidFill>
-              </a:ln>
-            </p:spPr>
-            <p:txBody>
-              <a:bodyPr wrap="square" rtlCol="0" anchor="ctr" anchorCtr="1">
-                <a:spAutoFit/>
-              </a:bodyPr>
-              <a:lstStyle>
-                <a:defPPr>
-                  <a:defRPr lang="nl-BE"/>
-                </a:defPPr>
-                <a:lvl1pPr algn="ctr">
-                  <a:defRPr sz="2000">
-                    <a:latin typeface="Times New Roman" pitchFamily="18" charset="0"/>
-                    <a:cs typeface="Times New Roman" pitchFamily="18" charset="0"/>
-                  </a:defRPr>
-                </a:lvl1pPr>
-              </a:lstStyle>
-              <a:p>
-                <a:r>
-                  <a:rPr lang="nl-BE" dirty="0" err="1"/>
-                  <a:t>RobotPilot</a:t>
-                </a:r>
-                <a:endParaRPr lang="nl-BE" dirty="0"/>
-              </a:p>
-            </p:txBody>
-          </p:sp>
-          <p:sp>
-            <p:nvSpPr>
-              <p:cNvPr id="7" name="Tekstvak 6"/>
-              <p:cNvSpPr txBox="1">
-                <a:spLocks noChangeAspect="1"/>
-              </p:cNvSpPr>
-              <p:nvPr/>
-            </p:nvSpPr>
-            <p:spPr>
-              <a:xfrm>
-                <a:off x="6699047" y="3198035"/>
-                <a:ext cx="1971352" cy="400110"/>
-              </a:xfrm>
-              <a:prstGeom prst="rect">
-                <a:avLst/>
-              </a:prstGeom>
-              <a:noFill/>
-              <a:ln>
-                <a:solidFill>
-                  <a:schemeClr val="tx1"/>
-                </a:solidFill>
-              </a:ln>
-            </p:spPr>
-            <p:txBody>
-              <a:bodyPr wrap="square" rtlCol="0" anchor="ctr" anchorCtr="1">
-                <a:spAutoFit/>
-              </a:bodyPr>
-              <a:lstStyle>
-                <a:defPPr>
-                  <a:defRPr lang="nl-BE"/>
-                </a:defPPr>
-                <a:lvl1pPr algn="ctr">
-                  <a:defRPr sz="2000">
-                    <a:latin typeface="Times New Roman" pitchFamily="18" charset="0"/>
-                    <a:cs typeface="Times New Roman" pitchFamily="18" charset="0"/>
-                  </a:defRPr>
-                </a:lvl1pPr>
-              </a:lstStyle>
-              <a:p>
-                <a:r>
-                  <a:rPr lang="nl-BE" dirty="0" err="1"/>
-                  <a:t>DummyPilot</a:t>
-                </a:r>
-                <a:endParaRPr lang="nl-BE" dirty="0"/>
-              </a:p>
-            </p:txBody>
-          </p:sp>
-          <p:sp>
-            <p:nvSpPr>
-              <p:cNvPr id="8" name="Tekstvak 7"/>
-              <p:cNvSpPr txBox="1">
-                <a:spLocks noChangeAspect="1"/>
-              </p:cNvSpPr>
-              <p:nvPr/>
-            </p:nvSpPr>
-            <p:spPr>
-              <a:xfrm>
-                <a:off x="5132287" y="1966599"/>
-                <a:ext cx="1971352" cy="400110"/>
-              </a:xfrm>
-              <a:prstGeom prst="rect">
-                <a:avLst/>
-              </a:prstGeom>
-              <a:noFill/>
-              <a:ln>
-                <a:solidFill>
-                  <a:schemeClr val="tx1"/>
-                </a:solidFill>
-              </a:ln>
-            </p:spPr>
-            <p:txBody>
-              <a:bodyPr wrap="square" rtlCol="0" anchor="ctr" anchorCtr="1">
-                <a:spAutoFit/>
-              </a:bodyPr>
-              <a:lstStyle>
-                <a:defPPr>
-                  <a:defRPr lang="nl-BE"/>
-                </a:defPPr>
-                <a:lvl1pPr algn="ctr">
-                  <a:defRPr sz="2000">
-                    <a:latin typeface="Times New Roman" pitchFamily="18" charset="0"/>
-                    <a:cs typeface="Times New Roman" pitchFamily="18" charset="0"/>
-                  </a:defRPr>
-                </a:lvl1pPr>
-              </a:lstStyle>
-              <a:p>
-                <a:r>
-                  <a:rPr lang="nl-BE" i="1" dirty="0" err="1" smtClean="0"/>
-                  <a:t>PilotInterface</a:t>
-                </a:r>
-                <a:endParaRPr lang="nl-BE" i="1" dirty="0"/>
-              </a:p>
-            </p:txBody>
-          </p:sp>
-          <p:sp>
-            <p:nvSpPr>
-              <p:cNvPr id="14" name="Tekstvak 13"/>
-              <p:cNvSpPr txBox="1">
-                <a:spLocks noChangeAspect="1"/>
-              </p:cNvSpPr>
-              <p:nvPr/>
-            </p:nvSpPr>
-            <p:spPr>
-              <a:xfrm>
-                <a:off x="2402041" y="5792773"/>
-                <a:ext cx="1971352" cy="400110"/>
-              </a:xfrm>
-              <a:prstGeom prst="rect">
-                <a:avLst/>
-              </a:prstGeom>
-              <a:noFill/>
-              <a:ln>
-                <a:solidFill>
-                  <a:schemeClr val="tx1"/>
-                </a:solidFill>
-              </a:ln>
-            </p:spPr>
-            <p:txBody>
-              <a:bodyPr wrap="square" rtlCol="0" anchor="ctr" anchorCtr="1">
-                <a:spAutoFit/>
-              </a:bodyPr>
-              <a:lstStyle>
-                <a:defPPr>
-                  <a:defRPr lang="nl-BE"/>
-                </a:defPPr>
-                <a:lvl1pPr algn="ctr">
-                  <a:defRPr sz="2000">
-                    <a:latin typeface="Times New Roman" pitchFamily="18" charset="0"/>
-                    <a:cs typeface="Times New Roman" pitchFamily="18" charset="0"/>
-                  </a:defRPr>
-                </a:lvl1pPr>
-              </a:lstStyle>
-              <a:p>
-                <a:r>
-                  <a:rPr lang="nl-BE" dirty="0" smtClean="0"/>
-                  <a:t>…</a:t>
-                </a:r>
-                <a:endParaRPr lang="nl-BE" dirty="0"/>
-              </a:p>
-            </p:txBody>
-          </p:sp>
-          <p:sp>
-            <p:nvSpPr>
-              <p:cNvPr id="62" name="Tekstvak 61"/>
-              <p:cNvSpPr txBox="1">
-                <a:spLocks noChangeAspect="1"/>
-              </p:cNvSpPr>
-              <p:nvPr/>
-            </p:nvSpPr>
-            <p:spPr>
-              <a:xfrm>
-                <a:off x="5132287" y="958488"/>
-                <a:ext cx="1971352" cy="400110"/>
-              </a:xfrm>
-              <a:prstGeom prst="rect">
-                <a:avLst/>
-              </a:prstGeom>
-              <a:noFill/>
-              <a:ln>
-                <a:solidFill>
-                  <a:schemeClr val="tx1"/>
-                </a:solidFill>
-              </a:ln>
-            </p:spPr>
-            <p:txBody>
-              <a:bodyPr wrap="square" rtlCol="0" anchor="ctr" anchorCtr="1">
-                <a:spAutoFit/>
-              </a:bodyPr>
-              <a:lstStyle>
-                <a:defPPr>
-                  <a:defRPr lang="nl-BE"/>
-                </a:defPPr>
-                <a:lvl1pPr algn="ctr">
-                  <a:defRPr sz="2000">
-                    <a:latin typeface="Times New Roman" pitchFamily="18" charset="0"/>
-                    <a:cs typeface="Times New Roman" pitchFamily="18" charset="0"/>
-                  </a:defRPr>
-                </a:lvl1pPr>
-              </a:lstStyle>
-              <a:p>
-                <a:r>
-                  <a:rPr lang="nl-BE" dirty="0" smtClean="0"/>
-                  <a:t>…</a:t>
-                </a:r>
-                <a:endParaRPr lang="nl-BE" dirty="0"/>
-              </a:p>
-            </p:txBody>
-          </p:sp>
-        </p:grpSp>
-        <p:grpSp>
-          <p:nvGrpSpPr>
-            <p:cNvPr id="9" name="Groep 8"/>
-            <p:cNvGrpSpPr/>
-            <p:nvPr/>
-          </p:nvGrpSpPr>
-          <p:grpSpPr>
-            <a:xfrm>
-              <a:off x="3387717" y="1358598"/>
-              <a:ext cx="2730246" cy="4434175"/>
-              <a:chOff x="3387717" y="1358598"/>
-              <a:chExt cx="2730246" cy="4434175"/>
-            </a:xfrm>
-          </p:grpSpPr>
-          <p:cxnSp>
-            <p:nvCxnSpPr>
-              <p:cNvPr id="54" name="Rechte verbindingslijn met pijl 53"/>
-              <p:cNvCxnSpPr>
-                <a:stCxn id="6" idx="2"/>
-                <a:endCxn id="14" idx="0"/>
-              </p:cNvCxnSpPr>
-              <p:nvPr/>
-            </p:nvCxnSpPr>
-            <p:spPr>
-              <a:xfrm>
-                <a:off x="3387717" y="4978390"/>
-                <a:ext cx="0" cy="814383"/>
-              </a:xfrm>
-              <a:prstGeom prst="straightConnector1">
-                <a:avLst/>
-              </a:prstGeom>
-              <a:ln w="31750">
-                <a:headEnd w="lg" len="lg"/>
-                <a:tailEnd type="arrow" w="lg" len="lg"/>
-              </a:ln>
-            </p:spPr>
-            <p:style>
-              <a:lnRef idx="1">
-                <a:schemeClr val="accent1"/>
-              </a:lnRef>
-              <a:fillRef idx="0">
-                <a:schemeClr val="accent1"/>
-              </a:fillRef>
-              <a:effectRef idx="0">
-                <a:schemeClr val="accent1"/>
-              </a:effectRef>
-              <a:fontRef idx="minor">
-                <a:schemeClr val="tx1"/>
-              </a:fontRef>
-            </p:style>
-          </p:cxnSp>
-          <p:cxnSp>
-            <p:nvCxnSpPr>
-              <p:cNvPr id="63" name="Rechte verbindingslijn met pijl 62"/>
-              <p:cNvCxnSpPr>
-                <a:stCxn id="8" idx="0"/>
-                <a:endCxn id="62" idx="2"/>
-              </p:cNvCxnSpPr>
-              <p:nvPr/>
-            </p:nvCxnSpPr>
-            <p:spPr>
-              <a:xfrm flipV="1">
-                <a:off x="6117963" y="1358598"/>
-                <a:ext cx="0" cy="608001"/>
-              </a:xfrm>
-              <a:prstGeom prst="straightConnector1">
-                <a:avLst/>
-              </a:prstGeom>
-              <a:ln w="31750">
-                <a:headEnd w="lg" len="lg"/>
-                <a:tailEnd type="arrow" w="lg" len="lg"/>
-              </a:ln>
-            </p:spPr>
-            <p:style>
-              <a:lnRef idx="1">
-                <a:schemeClr val="accent1"/>
-              </a:lnRef>
-              <a:fillRef idx="0">
-                <a:schemeClr val="accent1"/>
-              </a:fillRef>
-              <a:effectRef idx="0">
-                <a:schemeClr val="accent1"/>
-              </a:effectRef>
-              <a:fontRef idx="minor">
-                <a:schemeClr val="tx1"/>
-              </a:fontRef>
-            </p:style>
-          </p:cxnSp>
-        </p:grpSp>
-      </p:grpSp>
-    </p:spTree>
-    <p:extLst>
-      <p:ext uri="{BB962C8B-B14F-4D97-AF65-F5344CB8AC3E}">
-        <p14:creationId xmlns:p14="http://schemas.microsoft.com/office/powerpoint/2010/main" val="1307093792"/>
-      </p:ext>
-    </p:extLst>
-  </p:cSld>
-  <p:clrMapOvr>
-    <a:masterClrMapping/>
-  </p:clrMapOvr>
-</p:sld>
-</file>
-
-<file path=ppt/slides/slide3.xml><?xml version="1.0" encoding="utf-8"?>
-<p:sld xmlns:a="http://schemas.openxmlformats.org/drawingml/2006/main" xmlns:r="http://schemas.openxmlformats.org/officeDocument/2006/relationships" xmlns:p="http://schemas.openxmlformats.org/presentationml/2006/main">
-  <p:cSld>
-    <p:spTree>
-      <p:nvGrpSpPr>
-        <p:cNvPr id="1" name=""/>
-        <p:cNvGrpSpPr/>
-        <p:nvPr/>
-      </p:nvGrpSpPr>
-      <p:grpSpPr>
-        <a:xfrm>
-          <a:off x="0" y="0"/>
-          <a:ext cx="0" cy="0"/>
-          <a:chOff x="0" y="0"/>
-          <a:chExt cx="0" cy="0"/>
-        </a:xfrm>
-      </p:grpSpPr>
-      <p:grpSp>
-        <p:nvGrpSpPr>
-          <p:cNvPr id="9" name="Groep 8"/>
-          <p:cNvGrpSpPr/>
-          <p:nvPr/>
-        </p:nvGrpSpPr>
-        <p:grpSpPr>
-          <a:xfrm>
-            <a:off x="1691679" y="674193"/>
-            <a:ext cx="5218347" cy="5170563"/>
-            <a:chOff x="1691679" y="674193"/>
-            <a:chExt cx="5218346" cy="5170562"/>
-          </a:xfrm>
-        </p:grpSpPr>
-        <p:grpSp>
-          <p:nvGrpSpPr>
-            <p:cNvPr id="8" name="Groep 7"/>
-            <p:cNvGrpSpPr/>
-            <p:nvPr/>
-          </p:nvGrpSpPr>
-          <p:grpSpPr>
-            <a:xfrm>
-              <a:off x="1691679" y="674193"/>
-              <a:ext cx="5218346" cy="5170562"/>
-              <a:chOff x="1691679" y="674193"/>
-              <a:chExt cx="5218346" cy="5170562"/>
-            </a:xfrm>
-          </p:grpSpPr>
-          <p:sp>
-            <p:nvSpPr>
-              <p:cNvPr id="4" name="Tekstvak 3"/>
-              <p:cNvSpPr txBox="1">
-                <a:spLocks noChangeAspect="1"/>
-              </p:cNvSpPr>
-              <p:nvPr/>
-            </p:nvSpPr>
-            <p:spPr>
-              <a:xfrm>
-                <a:off x="1691680" y="1779167"/>
-                <a:ext cx="2347778" cy="400110"/>
-              </a:xfrm>
-              <a:prstGeom prst="rect">
-                <a:avLst/>
-              </a:prstGeom>
-              <a:noFill/>
-              <a:ln>
-                <a:solidFill>
-                  <a:schemeClr val="tx1"/>
-                </a:solidFill>
-              </a:ln>
-            </p:spPr>
-            <p:txBody>
-              <a:bodyPr wrap="square" rtlCol="0" anchor="ctr" anchorCtr="1">
-                <a:spAutoFit/>
-              </a:bodyPr>
-              <a:lstStyle>
-                <a:defPPr>
-                  <a:defRPr lang="nl-BE"/>
-                </a:defPPr>
-                <a:lvl1pPr algn="ctr">
-                  <a:defRPr sz="2000">
-                    <a:latin typeface="Times New Roman" pitchFamily="18" charset="0"/>
-                    <a:cs typeface="Times New Roman" pitchFamily="18" charset="0"/>
-                  </a:defRPr>
-                </a:lvl1pPr>
-              </a:lstStyle>
-              <a:p>
-                <a:r>
-                  <a:rPr lang="nl-BE" dirty="0" err="1"/>
-                  <a:t>RobotPilot</a:t>
-                </a:r>
-                <a:endParaRPr lang="nl-BE" dirty="0"/>
-              </a:p>
-            </p:txBody>
-          </p:sp>
-          <p:sp>
-            <p:nvSpPr>
-              <p:cNvPr id="5" name="Tekstvak 4"/>
-              <p:cNvSpPr txBox="1">
-                <a:spLocks noChangeAspect="1"/>
-              </p:cNvSpPr>
-              <p:nvPr/>
-            </p:nvSpPr>
-            <p:spPr>
-              <a:xfrm>
-                <a:off x="1691679" y="3503861"/>
-                <a:ext cx="2347780" cy="400110"/>
-              </a:xfrm>
-              <a:prstGeom prst="rect">
-                <a:avLst/>
-              </a:prstGeom>
-              <a:noFill/>
-              <a:ln>
-                <a:solidFill>
-                  <a:schemeClr val="tx1"/>
-                </a:solidFill>
-              </a:ln>
-            </p:spPr>
-            <p:txBody>
-              <a:bodyPr wrap="square" rtlCol="0" anchor="ctr" anchorCtr="1">
-                <a:spAutoFit/>
-              </a:bodyPr>
-              <a:lstStyle>
-                <a:defPPr>
-                  <a:defRPr lang="nl-BE"/>
-                </a:defPPr>
-                <a:lvl1pPr algn="ctr">
-                  <a:defRPr sz="2000">
-                    <a:latin typeface="Times New Roman" pitchFamily="18" charset="0"/>
-                    <a:cs typeface="Times New Roman" pitchFamily="18" charset="0"/>
-                  </a:defRPr>
-                </a:lvl1pPr>
-              </a:lstStyle>
-              <a:p>
-                <a:r>
-                  <a:rPr lang="nl-BE" dirty="0"/>
-                  <a:t>Communicator</a:t>
-                </a:r>
-              </a:p>
-            </p:txBody>
-          </p:sp>
-          <p:sp>
-            <p:nvSpPr>
-              <p:cNvPr id="6" name="Tekstvak 5"/>
-              <p:cNvSpPr txBox="1">
-                <a:spLocks noChangeAspect="1"/>
-              </p:cNvSpPr>
-              <p:nvPr/>
-            </p:nvSpPr>
-            <p:spPr>
-              <a:xfrm>
-                <a:off x="4572000" y="3510881"/>
-                <a:ext cx="2338025" cy="400110"/>
-              </a:xfrm>
-              <a:prstGeom prst="rect">
-                <a:avLst/>
-              </a:prstGeom>
-              <a:noFill/>
-              <a:ln>
-                <a:solidFill>
-                  <a:schemeClr val="tx1"/>
-                </a:solidFill>
-              </a:ln>
-            </p:spPr>
-            <p:txBody>
-              <a:bodyPr wrap="square" rtlCol="0" anchor="ctr" anchorCtr="1">
-                <a:spAutoFit/>
-              </a:bodyPr>
-              <a:lstStyle>
-                <a:defPPr>
-                  <a:defRPr lang="nl-BE"/>
-                </a:defPPr>
-                <a:lvl1pPr algn="ctr">
-                  <a:defRPr sz="2000">
-                    <a:latin typeface="Times New Roman" pitchFamily="18" charset="0"/>
-                    <a:cs typeface="Times New Roman" pitchFamily="18" charset="0"/>
-                  </a:defRPr>
-                </a:lvl1pPr>
-              </a:lstStyle>
-              <a:p>
-                <a:r>
-                  <a:rPr lang="nl-BE" dirty="0" err="1" smtClean="0"/>
-                  <a:t>InfoRecieverThread</a:t>
-                </a:r>
-                <a:endParaRPr lang="nl-BE" dirty="0"/>
-              </a:p>
-            </p:txBody>
-          </p:sp>
-          <p:sp>
-            <p:nvSpPr>
-              <p:cNvPr id="7" name="Tekstvak 6"/>
-              <p:cNvSpPr txBox="1">
-                <a:spLocks noChangeAspect="1"/>
-              </p:cNvSpPr>
-              <p:nvPr/>
-            </p:nvSpPr>
-            <p:spPr>
-              <a:xfrm>
-                <a:off x="4572000" y="1779165"/>
-                <a:ext cx="2338025" cy="400110"/>
-              </a:xfrm>
-              <a:prstGeom prst="rect">
-                <a:avLst/>
-              </a:prstGeom>
-              <a:noFill/>
-              <a:ln>
-                <a:solidFill>
-                  <a:schemeClr val="tx1"/>
-                </a:solidFill>
-              </a:ln>
-            </p:spPr>
-            <p:txBody>
-              <a:bodyPr wrap="square" rtlCol="0" anchor="ctr" anchorCtr="1">
-                <a:spAutoFit/>
-              </a:bodyPr>
-              <a:lstStyle/>
-              <a:p>
-                <a:pPr algn="ctr"/>
-                <a:r>
-                  <a:rPr lang="nl-BE" sz="2000" dirty="0" err="1">
-                    <a:latin typeface="Times New Roman" pitchFamily="18" charset="0"/>
-                    <a:cs typeface="Times New Roman" pitchFamily="18" charset="0"/>
-                  </a:rPr>
-                  <a:t>StatusInfoBuffer</a:t>
-                </a:r>
-                <a:endParaRPr lang="nl-BE" sz="2000" dirty="0">
-                  <a:latin typeface="Times New Roman" pitchFamily="18" charset="0"/>
-                  <a:cs typeface="Times New Roman" pitchFamily="18" charset="0"/>
-                </a:endParaRPr>
-              </a:p>
-            </p:txBody>
-          </p:sp>
-          <p:sp>
-            <p:nvSpPr>
-              <p:cNvPr id="12" name="Tekstvak 11"/>
-              <p:cNvSpPr txBox="1">
-                <a:spLocks noChangeAspect="1"/>
-              </p:cNvSpPr>
-              <p:nvPr/>
-            </p:nvSpPr>
-            <p:spPr>
-              <a:xfrm>
-                <a:off x="3635896" y="5321535"/>
-                <a:ext cx="1440000" cy="523220"/>
-              </a:xfrm>
-              <a:prstGeom prst="rect">
-                <a:avLst/>
-              </a:prstGeom>
-              <a:noFill/>
-              <a:ln>
-                <a:solidFill>
-                  <a:schemeClr val="tx1"/>
-                </a:solidFill>
-              </a:ln>
-            </p:spPr>
-            <p:txBody>
-              <a:bodyPr wrap="square" rtlCol="0" anchor="ctr" anchorCtr="1">
-                <a:spAutoFit/>
-              </a:bodyPr>
-              <a:lstStyle>
-                <a:defPPr>
-                  <a:defRPr lang="nl-BE"/>
-                </a:defPPr>
-                <a:lvl1pPr algn="ctr">
-                  <a:defRPr sz="2000">
-                    <a:latin typeface="Times New Roman" pitchFamily="18" charset="0"/>
-                    <a:cs typeface="Times New Roman" pitchFamily="18" charset="0"/>
-                  </a:defRPr>
-                </a:lvl1pPr>
-              </a:lstStyle>
-              <a:p>
-                <a:r>
-                  <a:rPr lang="nl-BE" sz="2800" b="1" dirty="0">
-                    <a:solidFill>
-                      <a:srgbClr val="FF0000"/>
-                    </a:solidFill>
-                  </a:rPr>
-                  <a:t>Robot</a:t>
-                </a:r>
-                <a:endParaRPr lang="nl-BE" b="1" dirty="0">
-                  <a:solidFill>
-                    <a:srgbClr val="FF0000"/>
-                  </a:solidFill>
-                </a:endParaRPr>
-              </a:p>
-            </p:txBody>
-          </p:sp>
-          <p:sp>
-            <p:nvSpPr>
-              <p:cNvPr id="31" name="Tekstvak 30"/>
-              <p:cNvSpPr txBox="1">
-                <a:spLocks noChangeAspect="1"/>
-              </p:cNvSpPr>
-              <p:nvPr/>
-            </p:nvSpPr>
-            <p:spPr>
-              <a:xfrm>
-                <a:off x="1691682" y="674193"/>
-                <a:ext cx="2347778" cy="400110"/>
-              </a:xfrm>
-              <a:prstGeom prst="rect">
-                <a:avLst/>
-              </a:prstGeom>
-              <a:noFill/>
-              <a:ln>
-                <a:solidFill>
-                  <a:schemeClr val="tx1"/>
-                </a:solidFill>
-              </a:ln>
-            </p:spPr>
-            <p:txBody>
-              <a:bodyPr wrap="square" rtlCol="0" anchor="ctr" anchorCtr="1">
-                <a:spAutoFit/>
-              </a:bodyPr>
-              <a:lstStyle>
-                <a:defPPr>
-                  <a:defRPr lang="nl-BE"/>
-                </a:defPPr>
-                <a:lvl1pPr algn="ctr">
-                  <a:defRPr sz="2000">
-                    <a:latin typeface="Times New Roman" pitchFamily="18" charset="0"/>
-                    <a:cs typeface="Times New Roman" pitchFamily="18" charset="0"/>
-                  </a:defRPr>
-                </a:lvl1pPr>
-              </a:lstStyle>
-              <a:p>
-                <a:r>
-                  <a:rPr lang="nl-BE" dirty="0" smtClean="0"/>
-                  <a:t>…</a:t>
-                </a:r>
-                <a:endParaRPr lang="nl-BE" dirty="0"/>
-              </a:p>
-            </p:txBody>
-          </p:sp>
-        </p:grpSp>
-        <p:grpSp>
-          <p:nvGrpSpPr>
-            <p:cNvPr id="3" name="Groep 2"/>
-            <p:cNvGrpSpPr/>
-            <p:nvPr/>
-          </p:nvGrpSpPr>
-          <p:grpSpPr>
-            <a:xfrm>
-              <a:off x="2865569" y="1074303"/>
-              <a:ext cx="2875444" cy="4247232"/>
-              <a:chOff x="2865569" y="1074303"/>
-              <a:chExt cx="2875444" cy="4247232"/>
-            </a:xfrm>
-          </p:grpSpPr>
-          <p:cxnSp>
-            <p:nvCxnSpPr>
-              <p:cNvPr id="18" name="Rechte verbindingslijn met pijl 17"/>
-              <p:cNvCxnSpPr>
-                <a:stCxn id="4" idx="2"/>
-                <a:endCxn id="5" idx="0"/>
-              </p:cNvCxnSpPr>
-              <p:nvPr/>
-            </p:nvCxnSpPr>
-            <p:spPr>
-              <a:xfrm>
-                <a:off x="2865569" y="2179277"/>
-                <a:ext cx="0" cy="1324585"/>
-              </a:xfrm>
-              <a:prstGeom prst="straightConnector1">
-                <a:avLst/>
-              </a:prstGeom>
-              <a:ln w="31750">
-                <a:headEnd w="lg" len="lg"/>
-                <a:tailEnd type="arrow" w="lg" len="lg"/>
-              </a:ln>
-            </p:spPr>
-            <p:style>
-              <a:lnRef idx="1">
-                <a:schemeClr val="accent1"/>
-              </a:lnRef>
-              <a:fillRef idx="0">
-                <a:schemeClr val="accent1"/>
-              </a:fillRef>
-              <a:effectRef idx="0">
-                <a:schemeClr val="accent1"/>
-              </a:effectRef>
-              <a:fontRef idx="minor">
-                <a:schemeClr val="tx1"/>
-              </a:fontRef>
-            </p:style>
-          </p:cxnSp>
-          <p:cxnSp>
-            <p:nvCxnSpPr>
-              <p:cNvPr id="22" name="Rechte verbindingslijn met pijl 21"/>
-              <p:cNvCxnSpPr>
-                <a:stCxn id="6" idx="0"/>
-                <a:endCxn id="7" idx="2"/>
-              </p:cNvCxnSpPr>
-              <p:nvPr/>
-            </p:nvCxnSpPr>
-            <p:spPr>
-              <a:xfrm flipV="1">
-                <a:off x="5741013" y="2179275"/>
-                <a:ext cx="0" cy="1331607"/>
-              </a:xfrm>
-              <a:prstGeom prst="straightConnector1">
-                <a:avLst/>
-              </a:prstGeom>
-              <a:ln w="31750">
-                <a:headEnd w="lg" len="lg"/>
-                <a:tailEnd type="arrow" w="lg" len="lg"/>
-              </a:ln>
-            </p:spPr>
-            <p:style>
-              <a:lnRef idx="1">
-                <a:schemeClr val="accent1"/>
-              </a:lnRef>
-              <a:fillRef idx="0">
-                <a:schemeClr val="accent1"/>
-              </a:fillRef>
-              <a:effectRef idx="0">
-                <a:schemeClr val="accent1"/>
-              </a:effectRef>
-              <a:fontRef idx="minor">
-                <a:schemeClr val="tx1"/>
-              </a:fontRef>
-            </p:style>
-          </p:cxnSp>
-          <p:cxnSp>
-            <p:nvCxnSpPr>
-              <p:cNvPr id="24" name="Rechte verbindingslijn met pijl 23"/>
-              <p:cNvCxnSpPr>
-                <a:stCxn id="7" idx="1"/>
-                <a:endCxn id="4" idx="3"/>
-              </p:cNvCxnSpPr>
-              <p:nvPr/>
-            </p:nvCxnSpPr>
-            <p:spPr>
-              <a:xfrm flipH="1">
-                <a:off x="4039458" y="1979220"/>
-                <a:ext cx="532543" cy="2"/>
-              </a:xfrm>
-              <a:prstGeom prst="straightConnector1">
-                <a:avLst/>
-              </a:prstGeom>
-              <a:ln w="31750">
-                <a:headEnd w="lg" len="lg"/>
-                <a:tailEnd type="arrow" w="lg" len="lg"/>
-              </a:ln>
-            </p:spPr>
-            <p:style>
-              <a:lnRef idx="1">
-                <a:schemeClr val="accent1"/>
-              </a:lnRef>
-              <a:fillRef idx="0">
-                <a:schemeClr val="accent1"/>
-              </a:fillRef>
-              <a:effectRef idx="0">
-                <a:schemeClr val="accent1"/>
-              </a:effectRef>
-              <a:fontRef idx="minor">
-                <a:schemeClr val="tx1"/>
-              </a:fontRef>
-            </p:style>
-          </p:cxnSp>
-          <p:cxnSp>
-            <p:nvCxnSpPr>
-              <p:cNvPr id="28" name="Rechte verbindingslijn met pijl 27"/>
-              <p:cNvCxnSpPr>
-                <a:stCxn id="5" idx="2"/>
-                <a:endCxn id="12" idx="0"/>
-              </p:cNvCxnSpPr>
-              <p:nvPr/>
-            </p:nvCxnSpPr>
-            <p:spPr>
-              <a:xfrm>
-                <a:off x="2865569" y="3903971"/>
-                <a:ext cx="1490326" cy="1417564"/>
-              </a:xfrm>
-              <a:prstGeom prst="straightConnector1">
-                <a:avLst/>
-              </a:prstGeom>
-              <a:ln w="31750">
-                <a:headEnd w="lg" len="lg"/>
-                <a:tailEnd type="arrow" w="lg" len="lg"/>
-              </a:ln>
-            </p:spPr>
-            <p:style>
-              <a:lnRef idx="1">
-                <a:schemeClr val="accent1"/>
-              </a:lnRef>
-              <a:fillRef idx="0">
-                <a:schemeClr val="accent1"/>
-              </a:fillRef>
-              <a:effectRef idx="0">
-                <a:schemeClr val="accent1"/>
-              </a:effectRef>
-              <a:fontRef idx="minor">
-                <a:schemeClr val="tx1"/>
-              </a:fontRef>
-            </p:style>
-          </p:cxnSp>
-          <p:cxnSp>
-            <p:nvCxnSpPr>
-              <p:cNvPr id="30" name="Rechte verbindingslijn met pijl 29"/>
-              <p:cNvCxnSpPr>
-                <a:stCxn id="12" idx="0"/>
-                <a:endCxn id="6" idx="2"/>
-              </p:cNvCxnSpPr>
-              <p:nvPr/>
-            </p:nvCxnSpPr>
-            <p:spPr>
-              <a:xfrm flipV="1">
-                <a:off x="4355895" y="3910991"/>
-                <a:ext cx="1385118" cy="1410544"/>
-              </a:xfrm>
-              <a:prstGeom prst="straightConnector1">
-                <a:avLst/>
-              </a:prstGeom>
-              <a:ln w="31750">
-                <a:headEnd w="lg" len="lg"/>
-                <a:tailEnd type="arrow" w="lg" len="lg"/>
-              </a:ln>
-            </p:spPr>
-            <p:style>
-              <a:lnRef idx="1">
-                <a:schemeClr val="accent1"/>
-              </a:lnRef>
-              <a:fillRef idx="0">
-                <a:schemeClr val="accent1"/>
-              </a:fillRef>
-              <a:effectRef idx="0">
-                <a:schemeClr val="accent1"/>
-              </a:effectRef>
-              <a:fontRef idx="minor">
-                <a:schemeClr val="tx1"/>
-              </a:fontRef>
-            </p:style>
-          </p:cxnSp>
-          <p:cxnSp>
-            <p:nvCxnSpPr>
-              <p:cNvPr id="33" name="Rechte verbindingslijn met pijl 32"/>
-              <p:cNvCxnSpPr>
-                <a:stCxn id="31" idx="2"/>
-                <a:endCxn id="4" idx="0"/>
-              </p:cNvCxnSpPr>
-              <p:nvPr/>
-            </p:nvCxnSpPr>
-            <p:spPr>
-              <a:xfrm flipH="1">
-                <a:off x="2865569" y="1074303"/>
-                <a:ext cx="2" cy="704864"/>
-              </a:xfrm>
-              <a:prstGeom prst="straightConnector1">
-                <a:avLst/>
-              </a:prstGeom>
-              <a:ln w="31750">
-                <a:headEnd w="lg" len="lg"/>
-                <a:tailEnd type="arrow" w="lg" len="lg"/>
-              </a:ln>
-            </p:spPr>
-            <p:style>
-              <a:lnRef idx="1">
-                <a:schemeClr val="accent1"/>
-              </a:lnRef>
-              <a:fillRef idx="0">
-                <a:schemeClr val="accent1"/>
-              </a:fillRef>
-              <a:effectRef idx="0">
-                <a:schemeClr val="accent1"/>
-              </a:effectRef>
-              <a:fontRef idx="minor">
-                <a:schemeClr val="tx1"/>
-              </a:fontRef>
-            </p:style>
-          </p:cxnSp>
-        </p:grpSp>
-      </p:grpSp>
-    </p:spTree>
-    <p:extLst>
-      <p:ext uri="{BB962C8B-B14F-4D97-AF65-F5344CB8AC3E}">
-        <p14:creationId xmlns:p14="http://schemas.microsoft.com/office/powerpoint/2010/main" val="3186441246"/>
-      </p:ext>
-    </p:extLst>
-  </p:cSld>
-  <p:clrMapOvr>
-    <a:masterClrMapping/>
-  </p:clrMapOvr>
-</p:sld>
-</file>
-
-<file path=ppt/slides/slide4.xml><?xml version="1.0" encoding="utf-8"?>
-<p:sld xmlns:a="http://schemas.openxmlformats.org/drawingml/2006/main" xmlns:r="http://schemas.openxmlformats.org/officeDocument/2006/relationships" xmlns:p="http://schemas.openxmlformats.org/presentationml/2006/main">
-  <p:cSld>
-    <p:spTree>
-      <p:nvGrpSpPr>
-        <p:cNvPr id="1" name=""/>
-        <p:cNvGrpSpPr/>
-        <p:nvPr/>
-      </p:nvGrpSpPr>
-      <p:grpSpPr>
-        <a:xfrm>
-          <a:off x="0" y="0"/>
-          <a:ext cx="0" cy="0"/>
-          <a:chOff x="0" y="0"/>
-          <a:chExt cx="0" cy="0"/>
-        </a:xfrm>
-      </p:grpSpPr>
-      <p:grpSp>
-        <p:nvGrpSpPr>
-          <p:cNvPr id="96" name="Groep 95"/>
-          <p:cNvGrpSpPr/>
-          <p:nvPr/>
-        </p:nvGrpSpPr>
-        <p:grpSpPr>
-          <a:xfrm>
-            <a:off x="342306" y="548680"/>
-            <a:ext cx="8500865" cy="5864615"/>
-            <a:chOff x="759532" y="-227018"/>
-            <a:chExt cx="6375648" cy="7819487"/>
-          </a:xfrm>
-        </p:grpSpPr>
-        <p:grpSp>
-          <p:nvGrpSpPr>
-            <p:cNvPr id="4" name="Groep 3"/>
-            <p:cNvGrpSpPr/>
-            <p:nvPr/>
-          </p:nvGrpSpPr>
-          <p:grpSpPr>
-            <a:xfrm>
-              <a:off x="759532" y="-227018"/>
-              <a:ext cx="4949227" cy="4958611"/>
-              <a:chOff x="390913" y="-612698"/>
-              <a:chExt cx="9549617" cy="6786903"/>
+              <a:off x="342306" y="548680"/>
+              <a:ext cx="6598970" cy="3718958"/>
+              <a:chOff x="342306" y="548680"/>
+              <a:chExt cx="6598970" cy="3718958"/>
             </a:xfrm>
           </p:grpSpPr>
           <p:grpSp>
@@ -5122,8 +3146,8 @@
             </p:nvGrpSpPr>
             <p:grpSpPr>
               <a:xfrm>
-                <a:off x="1562187" y="3067253"/>
-                <a:ext cx="2725094" cy="2573359"/>
+                <a:off x="1151679" y="2565150"/>
+                <a:ext cx="1883093" cy="1410100"/>
                 <a:chOff x="1562187" y="3067253"/>
                 <a:chExt cx="2725094" cy="2573359"/>
               </a:xfrm>
@@ -5147,12 +3171,13 @@
                     <a:gd name="adj1" fmla="val 50000"/>
                   </a:avLst>
                 </a:prstGeom>
-                <a:ln w="31750">
+                <a:ln w="22225">
                   <a:solidFill>
                     <a:srgbClr val="96329E"/>
                   </a:solidFill>
-                  <a:headEnd w="lg" len="lg"/>
-                  <a:tailEnd type="arrow" w="lg" len="lg"/>
+                  <a:prstDash val="sysDash"/>
+                  <a:headEnd type="triangle" w="lg" len="lg"/>
+                  <a:tailEnd type="none" w="lg" len="lg"/>
                 </a:ln>
               </p:spPr>
               <p:style>
@@ -5189,12 +3214,13 @@
                     <a:gd name="adj1" fmla="val 50000"/>
                   </a:avLst>
                 </a:prstGeom>
-                <a:ln w="31750">
+                <a:ln w="22225">
                   <a:solidFill>
                     <a:srgbClr val="96329E"/>
                   </a:solidFill>
-                  <a:headEnd w="lg" len="lg"/>
-                  <a:tailEnd type="arrow" w="lg" len="lg"/>
+                  <a:prstDash val="sysDash"/>
+                  <a:headEnd type="triangle" w="lg" len="lg"/>
+                  <a:tailEnd type="none" w="lg" len="lg"/>
                 </a:ln>
               </p:spPr>
               <p:style>
@@ -5229,12 +3255,12 @@
                 <a:prstGeom prst="straightConnector1">
                   <a:avLst/>
                 </a:prstGeom>
-                <a:ln w="31750">
+                <a:ln w="22225">
                   <a:solidFill>
                     <a:srgbClr val="96329E"/>
                   </a:solidFill>
-                  <a:headEnd w="lg" len="lg"/>
-                  <a:tailEnd type="arrow" w="lg" len="lg"/>
+                  <a:headEnd type="triangle" w="lg" len="lg"/>
+                  <a:tailEnd type="none" w="lg" len="lg"/>
                 </a:ln>
               </p:spPr>
               <p:style>
@@ -5261,8 +3287,8 @@
             </p:nvGrpSpPr>
             <p:grpSpPr>
               <a:xfrm>
-                <a:off x="390913" y="-612698"/>
-                <a:ext cx="9549617" cy="6786903"/>
+                <a:off x="342306" y="548680"/>
+                <a:ext cx="6598970" cy="3718958"/>
                 <a:chOff x="390913" y="-612698"/>
                 <a:chExt cx="9549617" cy="6786903"/>
               </a:xfrm>
@@ -5598,8 +3624,8 @@
             </p:nvGrpSpPr>
             <p:grpSpPr>
               <a:xfrm>
-                <a:off x="2900664" y="61313"/>
-                <a:ext cx="4697322" cy="2751290"/>
+                <a:off x="2076592" y="918012"/>
+                <a:ext cx="3245940" cy="1507600"/>
                 <a:chOff x="2900664" y="61313"/>
                 <a:chExt cx="4697322" cy="2751290"/>
               </a:xfrm>
@@ -5621,9 +3647,9 @@
                 <a:prstGeom prst="straightConnector1">
                   <a:avLst/>
                 </a:prstGeom>
-                <a:ln w="31750">
-                  <a:headEnd w="lg" len="lg"/>
-                  <a:tailEnd type="arrow" w="lg" len="lg"/>
+                <a:ln w="22225">
+                  <a:headEnd type="arrow" w="lg" len="lg"/>
+                  <a:tailEnd type="none" w="lg" len="lg"/>
                 </a:ln>
               </p:spPr>
               <p:style>
@@ -5658,9 +3684,9 @@
                 <a:prstGeom prst="straightConnector1">
                   <a:avLst/>
                 </a:prstGeom>
-                <a:ln w="31750">
-                  <a:headEnd w="lg" len="lg"/>
-                  <a:tailEnd type="arrow" w="lg" len="lg"/>
+                <a:ln w="22225">
+                  <a:headEnd type="arrow" w="lg" len="lg"/>
+                  <a:tailEnd type="none" w="lg" len="lg"/>
                 </a:ln>
               </p:spPr>
               <p:style>
@@ -5695,9 +3721,9 @@
                 <a:prstGeom prst="straightConnector1">
                   <a:avLst/>
                 </a:prstGeom>
-                <a:ln w="31750">
-                  <a:headEnd w="lg" len="lg"/>
-                  <a:tailEnd type="arrow" w="lg" len="lg"/>
+                <a:ln w="22225">
+                  <a:headEnd type="arrow" w="lg" len="lg"/>
+                  <a:tailEnd type="none" w="lg" len="lg"/>
                 </a:ln>
               </p:spPr>
               <p:style>
@@ -5719,30 +3745,30 @@
         </p:grpSp>
         <p:grpSp>
           <p:nvGrpSpPr>
-            <p:cNvPr id="49" name="Groep 48"/>
+            <p:cNvPr id="39" name="Groep 38"/>
             <p:cNvGrpSpPr/>
             <p:nvPr/>
           </p:nvGrpSpPr>
           <p:grpSpPr>
             <a:xfrm>
-              <a:off x="3785637" y="2470482"/>
-              <a:ext cx="3349543" cy="3476483"/>
-              <a:chOff x="3897853" y="-1370341"/>
-              <a:chExt cx="8354015" cy="3607660"/>
+              <a:off x="4377113" y="2571805"/>
+              <a:ext cx="4466058" cy="2607362"/>
+              <a:chOff x="4377113" y="2571805"/>
+              <a:chExt cx="4466058" cy="2607362"/>
             </a:xfrm>
           </p:grpSpPr>
           <p:grpSp>
             <p:nvGrpSpPr>
-              <p:cNvPr id="50" name="Groep 49"/>
+              <p:cNvPr id="37" name="Groep 36"/>
               <p:cNvGrpSpPr/>
               <p:nvPr/>
             </p:nvGrpSpPr>
             <p:grpSpPr>
               <a:xfrm>
-                <a:off x="5411830" y="-1370341"/>
-                <a:ext cx="5326061" cy="2371610"/>
-                <a:chOff x="5411830" y="-1370341"/>
-                <a:chExt cx="5326061" cy="2371610"/>
+                <a:off x="5186484" y="2571805"/>
+                <a:ext cx="2847314" cy="1714032"/>
+                <a:chOff x="5186484" y="2571805"/>
+                <a:chExt cx="2847314" cy="1714032"/>
               </a:xfrm>
             </p:grpSpPr>
             <p:cxnSp>
@@ -5756,18 +3782,19 @@
               </p:nvCxnSpPr>
               <p:spPr>
                 <a:xfrm rot="16200000" flipH="1">
-                  <a:off x="7641559" y="-1831611"/>
-                  <a:ext cx="845921" cy="1768462"/>
+                  <a:off x="6298927" y="2404781"/>
+                  <a:ext cx="611372" cy="945420"/>
                 </a:xfrm>
                 <a:prstGeom prst="bentConnector3">
                   <a:avLst/>
                 </a:prstGeom>
-                <a:ln w="31750">
+                <a:ln w="22225">
                   <a:solidFill>
                     <a:srgbClr val="96329E"/>
                   </a:solidFill>
-                  <a:headEnd w="lg" len="lg"/>
-                  <a:tailEnd type="arrow" w="lg" len="lg"/>
+                  <a:prstDash val="sysDash"/>
+                  <a:headEnd type="triangle" w="lg" len="lg"/>
+                  <a:tailEnd type="none" w="lg" len="lg"/>
                 </a:ln>
               </p:spPr>
               <p:style>
@@ -5796,20 +3823,21 @@
               </p:nvCxnSpPr>
               <p:spPr>
                 <a:xfrm rot="5400000">
-                  <a:off x="5873099" y="-1831609"/>
-                  <a:ext cx="845921" cy="1768460"/>
+                  <a:off x="5353508" y="2404783"/>
+                  <a:ext cx="611372" cy="945419"/>
                 </a:xfrm>
                 <a:prstGeom prst="bentConnector3">
                   <a:avLst>
                     <a:gd name="adj1" fmla="val 50000"/>
                   </a:avLst>
                 </a:prstGeom>
-                <a:ln w="31750">
+                <a:ln w="22225">
                   <a:solidFill>
                     <a:srgbClr val="96329E"/>
                   </a:solidFill>
-                  <a:headEnd w="lg" len="lg"/>
-                  <a:tailEnd type="arrow" w="lg" len="lg"/>
+                  <a:prstDash val="sysDash"/>
+                  <a:headEnd type="triangle" w="lg" len="lg"/>
+                  <a:tailEnd type="none" w="lg" len="lg"/>
                 </a:ln>
               </p:spPr>
               <p:style>
@@ -5838,18 +3866,18 @@
               </p:nvCxnSpPr>
               <p:spPr>
                 <a:xfrm rot="5400000">
-                  <a:off x="7503960" y="-443525"/>
-                  <a:ext cx="1121128" cy="1768459"/>
+                  <a:off x="6199480" y="3407991"/>
+                  <a:ext cx="810272" cy="945418"/>
                 </a:xfrm>
                 <a:prstGeom prst="bentConnector3">
                   <a:avLst/>
                 </a:prstGeom>
-                <a:ln w="31750">
+                <a:ln w="22225">
                   <a:solidFill>
                     <a:srgbClr val="96329E"/>
                   </a:solidFill>
-                  <a:headEnd w="lg" len="lg"/>
-                  <a:tailEnd type="arrow" w="lg" len="lg"/>
+                  <a:headEnd type="triangle" w="lg" len="lg"/>
+                  <a:tailEnd type="none" w="lg" len="lg"/>
                 </a:ln>
               </p:spPr>
               <p:style>
@@ -5878,18 +3906,18 @@
               </p:nvCxnSpPr>
               <p:spPr>
                 <a:xfrm rot="16200000" flipH="1">
-                  <a:off x="9282758" y="-453865"/>
-                  <a:ext cx="1121128" cy="1789139"/>
+                  <a:off x="7150425" y="3402464"/>
+                  <a:ext cx="810272" cy="956474"/>
                 </a:xfrm>
                 <a:prstGeom prst="bentConnector3">
                   <a:avLst/>
                 </a:prstGeom>
-                <a:ln w="31750">
+                <a:ln w="22225">
                   <a:solidFill>
                     <a:srgbClr val="96329E"/>
                   </a:solidFill>
-                  <a:headEnd w="lg" len="lg"/>
-                  <a:tailEnd type="arrow" w="lg" len="lg"/>
+                  <a:headEnd type="triangle" w="lg" len="lg"/>
+                  <a:tailEnd type="none" w="lg" len="lg"/>
                 </a:ln>
               </p:spPr>
               <p:style>
@@ -5916,8 +3944,8 @@
             </p:nvGrpSpPr>
             <p:grpSpPr>
               <a:xfrm>
-                <a:off x="3897853" y="-524420"/>
-                <a:ext cx="8354015" cy="1930250"/>
+                <a:off x="4377113" y="3183177"/>
+                <a:ext cx="4466058" cy="1395048"/>
                 <a:chOff x="3897853" y="-524420"/>
                 <a:chExt cx="8354015" cy="1930250"/>
               </a:xfrm>
@@ -6122,13 +4150,13 @@
             </p:nvCxnSpPr>
             <p:spPr>
               <a:xfrm>
-                <a:off x="7180293" y="1405830"/>
-                <a:ext cx="0" cy="831490"/>
+                <a:off x="6131906" y="4578225"/>
+                <a:ext cx="0" cy="600942"/>
               </a:xfrm>
               <a:prstGeom prst="straightConnector1">
                 <a:avLst/>
               </a:prstGeom>
-              <a:ln w="31750">
+              <a:ln w="22225">
                 <a:headEnd w="lg" len="lg"/>
                 <a:tailEnd type="arrow" w="lg" len="lg"/>
               </a:ln>
@@ -6157,8 +4185,8 @@
           </p:nvGrpSpPr>
           <p:grpSpPr>
             <a:xfrm>
-              <a:off x="2870119" y="4755860"/>
-              <a:ext cx="2842624" cy="2836609"/>
+              <a:off x="3156422" y="4285838"/>
+              <a:ext cx="3790166" cy="2127457"/>
               <a:chOff x="-3500590" y="-1304809"/>
               <a:chExt cx="5892082" cy="3643462"/>
             </a:xfrm>
@@ -6371,13 +4399,13 @@
         </p:nvCxnSpPr>
         <p:spPr>
           <a:xfrm>
-            <a:off x="3965794" y="4578227"/>
-            <a:ext cx="0" cy="600940"/>
+            <a:off x="3923096" y="4572802"/>
+            <a:ext cx="0" cy="600941"/>
           </a:xfrm>
           <a:prstGeom prst="straightConnector1">
             <a:avLst/>
           </a:prstGeom>
-          <a:ln w="31750">
+          <a:ln w="22225">
             <a:headEnd w="lg" len="lg"/>
             <a:tailEnd type="arrow" w="lg" len="lg"/>
           </a:ln>
@@ -6408,13 +4436,13 @@
         </p:nvCxnSpPr>
         <p:spPr>
           <a:xfrm>
-            <a:off x="3965794" y="5471555"/>
+            <a:off x="3923096" y="5466131"/>
             <a:ext cx="1362048" cy="757074"/>
           </a:xfrm>
           <a:prstGeom prst="straightConnector1">
             <a:avLst/>
           </a:prstGeom>
-          <a:ln w="31750">
+          <a:ln w="22225">
             <a:headEnd w="lg" len="lg"/>
             <a:tailEnd type="arrow" w="lg" len="lg"/>
           </a:ln>
@@ -6445,13 +4473,13 @@
         </p:nvCxnSpPr>
         <p:spPr>
           <a:xfrm>
-            <a:off x="6131905" y="5471555"/>
+            <a:off x="6089207" y="5466131"/>
             <a:ext cx="5310" cy="572408"/>
           </a:xfrm>
           <a:prstGeom prst="straightConnector1">
             <a:avLst/>
           </a:prstGeom>
-          <a:ln w="31750">
+          <a:ln w="22225">
             <a:headEnd w="lg" len="lg"/>
             <a:tailEnd type="arrow" w="lg" len="lg"/>
           </a:ln>
@@ -6482,13 +4510,13 @@
         </p:nvCxnSpPr>
         <p:spPr>
           <a:xfrm flipH="1">
-            <a:off x="4775165" y="4432032"/>
-            <a:ext cx="547369" cy="1"/>
+            <a:off x="4732468" y="4426607"/>
+            <a:ext cx="547368" cy="1"/>
           </a:xfrm>
           <a:prstGeom prst="straightConnector1">
             <a:avLst/>
           </a:prstGeom>
-          <a:ln w="31750">
+          <a:ln w="22225">
             <a:headEnd w="lg" len="lg"/>
             <a:tailEnd type="arrow" w="lg" len="lg"/>
           </a:ln>
@@ -6508,6 +4536,508 @@
           </a:fontRef>
         </p:style>
       </p:cxnSp>
+      <p:grpSp>
+        <p:nvGrpSpPr>
+          <p:cNvPr id="35" name="Groep 34"/>
+          <p:cNvGrpSpPr/>
+          <p:nvPr/>
+        </p:nvGrpSpPr>
+        <p:grpSpPr>
+          <a:xfrm>
+            <a:off x="5892386" y="543256"/>
+            <a:ext cx="2908087" cy="811634"/>
+            <a:chOff x="4584585" y="880918"/>
+            <a:chExt cx="2908087" cy="811634"/>
+          </a:xfrm>
+        </p:grpSpPr>
+        <p:grpSp>
+          <p:nvGrpSpPr>
+            <p:cNvPr id="27" name="Groep 26"/>
+            <p:cNvGrpSpPr/>
+            <p:nvPr/>
+          </p:nvGrpSpPr>
+          <p:grpSpPr>
+            <a:xfrm>
+              <a:off x="4584585" y="880918"/>
+              <a:ext cx="2908087" cy="296429"/>
+              <a:chOff x="4584585" y="880918"/>
+              <a:chExt cx="2908087" cy="296429"/>
+            </a:xfrm>
+          </p:grpSpPr>
+          <p:sp>
+            <p:nvSpPr>
+              <p:cNvPr id="2" name="Tekstvak 1"/>
+              <p:cNvSpPr txBox="1"/>
+              <p:nvPr/>
+            </p:nvSpPr>
+            <p:spPr>
+              <a:xfrm>
+                <a:off x="4584585" y="880918"/>
+                <a:ext cx="304892" cy="292388"/>
+              </a:xfrm>
+              <a:prstGeom prst="rect">
+                <a:avLst/>
+              </a:prstGeom>
+              <a:noFill/>
+            </p:spPr>
+            <p:txBody>
+              <a:bodyPr wrap="none" rtlCol="0">
+                <a:spAutoFit/>
+              </a:bodyPr>
+              <a:lstStyle/>
+              <a:p>
+                <a:r>
+                  <a:rPr lang="nl-BE" sz="1300" dirty="0">
+                    <a:latin typeface="Times New Roman" pitchFamily="18" charset="0"/>
+                    <a:cs typeface="Times New Roman" pitchFamily="18" charset="0"/>
+                  </a:rPr>
+                  <a:t>A</a:t>
+                </a:r>
+                <a:endParaRPr lang="nl-BE" sz="1300" dirty="0">
+                  <a:latin typeface="Times New Roman" pitchFamily="18" charset="0"/>
+                  <a:cs typeface="Times New Roman" pitchFamily="18" charset="0"/>
+                </a:endParaRPr>
+              </a:p>
+            </p:txBody>
+          </p:sp>
+          <p:sp>
+            <p:nvSpPr>
+              <p:cNvPr id="42" name="Tekstvak 41"/>
+              <p:cNvSpPr txBox="1"/>
+              <p:nvPr/>
+            </p:nvSpPr>
+            <p:spPr>
+              <a:xfrm>
+                <a:off x="5310099" y="884959"/>
+                <a:ext cx="304892" cy="292388"/>
+              </a:xfrm>
+              <a:prstGeom prst="rect">
+                <a:avLst/>
+              </a:prstGeom>
+              <a:noFill/>
+            </p:spPr>
+            <p:txBody>
+              <a:bodyPr wrap="none" rtlCol="0">
+                <a:spAutoFit/>
+              </a:bodyPr>
+              <a:lstStyle/>
+              <a:p>
+                <a:r>
+                  <a:rPr lang="nl-BE" sz="1300" dirty="0" smtClean="0">
+                    <a:latin typeface="Times New Roman" pitchFamily="18" charset="0"/>
+                    <a:cs typeface="Times New Roman" pitchFamily="18" charset="0"/>
+                  </a:rPr>
+                  <a:t>B</a:t>
+                </a:r>
+                <a:endParaRPr lang="nl-BE" sz="1300" dirty="0">
+                  <a:latin typeface="Times New Roman" pitchFamily="18" charset="0"/>
+                  <a:cs typeface="Times New Roman" pitchFamily="18" charset="0"/>
+                </a:endParaRPr>
+              </a:p>
+            </p:txBody>
+          </p:sp>
+          <p:sp>
+            <p:nvSpPr>
+              <p:cNvPr id="43" name="Tekstvak 42"/>
+              <p:cNvSpPr txBox="1"/>
+              <p:nvPr/>
+            </p:nvSpPr>
+            <p:spPr>
+              <a:xfrm>
+                <a:off x="5621198" y="880918"/>
+                <a:ext cx="1871474" cy="292388"/>
+              </a:xfrm>
+              <a:prstGeom prst="rect">
+                <a:avLst/>
+              </a:prstGeom>
+              <a:noFill/>
+            </p:spPr>
+            <p:txBody>
+              <a:bodyPr wrap="none" rtlCol="0">
+                <a:spAutoFit/>
+              </a:bodyPr>
+              <a:lstStyle/>
+              <a:p>
+                <a:r>
+                  <a:rPr lang="nl-BE" sz="1300" dirty="0" smtClean="0">
+                    <a:latin typeface="Times New Roman" pitchFamily="18" charset="0"/>
+                    <a:cs typeface="Times New Roman" pitchFamily="18" charset="0"/>
+                  </a:rPr>
+                  <a:t>A krijgt informatie van B</a:t>
+                </a:r>
+                <a:endParaRPr lang="nl-BE" sz="1300" dirty="0">
+                  <a:latin typeface="Times New Roman" pitchFamily="18" charset="0"/>
+                  <a:cs typeface="Times New Roman" pitchFamily="18" charset="0"/>
+                </a:endParaRPr>
+              </a:p>
+            </p:txBody>
+          </p:sp>
+          <p:cxnSp>
+            <p:nvCxnSpPr>
+              <p:cNvPr id="44" name="Rechte verbindingslijn met pijl 43"/>
+              <p:cNvCxnSpPr>
+                <a:stCxn id="42" idx="1"/>
+                <a:endCxn id="2" idx="3"/>
+              </p:cNvCxnSpPr>
+              <p:nvPr/>
+            </p:nvCxnSpPr>
+            <p:spPr>
+              <a:xfrm flipH="1" flipV="1">
+                <a:off x="4889477" y="1027112"/>
+                <a:ext cx="420622" cy="4041"/>
+              </a:xfrm>
+              <a:prstGeom prst="straightConnector1">
+                <a:avLst/>
+              </a:prstGeom>
+              <a:ln w="22225">
+                <a:headEnd type="arrow" w="lg" len="lg"/>
+                <a:tailEnd type="none" w="lg" len="lg"/>
+              </a:ln>
+            </p:spPr>
+            <p:style>
+              <a:lnRef idx="1">
+                <a:schemeClr val="accent1"/>
+              </a:lnRef>
+              <a:fillRef idx="0">
+                <a:schemeClr val="accent1"/>
+              </a:fillRef>
+              <a:effectRef idx="0">
+                <a:schemeClr val="accent1"/>
+              </a:effectRef>
+              <a:fontRef idx="minor">
+                <a:schemeClr val="tx1"/>
+              </a:fontRef>
+            </p:style>
+          </p:cxnSp>
+        </p:grpSp>
+        <p:grpSp>
+          <p:nvGrpSpPr>
+            <p:cNvPr id="28" name="Groep 27"/>
+            <p:cNvGrpSpPr/>
+            <p:nvPr/>
+          </p:nvGrpSpPr>
+          <p:grpSpPr>
+            <a:xfrm>
+              <a:off x="4584585" y="1396123"/>
+              <a:ext cx="2771832" cy="296429"/>
+              <a:chOff x="4584585" y="1396123"/>
+              <a:chExt cx="2771832" cy="296429"/>
+            </a:xfrm>
+          </p:grpSpPr>
+          <p:sp>
+            <p:nvSpPr>
+              <p:cNvPr id="59" name="Tekstvak 58"/>
+              <p:cNvSpPr txBox="1"/>
+              <p:nvPr/>
+            </p:nvSpPr>
+            <p:spPr>
+              <a:xfrm>
+                <a:off x="4584585" y="1400164"/>
+                <a:ext cx="304892" cy="292388"/>
+              </a:xfrm>
+              <a:prstGeom prst="rect">
+                <a:avLst/>
+              </a:prstGeom>
+              <a:noFill/>
+            </p:spPr>
+            <p:txBody>
+              <a:bodyPr wrap="none" rtlCol="0">
+                <a:spAutoFit/>
+              </a:bodyPr>
+              <a:lstStyle/>
+              <a:p>
+                <a:r>
+                  <a:rPr lang="nl-BE" sz="1300" dirty="0">
+                    <a:latin typeface="Times New Roman" pitchFamily="18" charset="0"/>
+                    <a:cs typeface="Times New Roman" pitchFamily="18" charset="0"/>
+                  </a:rPr>
+                  <a:t>A</a:t>
+                </a:r>
+                <a:endParaRPr lang="nl-BE" sz="1300" dirty="0">
+                  <a:latin typeface="Times New Roman" pitchFamily="18" charset="0"/>
+                  <a:cs typeface="Times New Roman" pitchFamily="18" charset="0"/>
+                </a:endParaRPr>
+              </a:p>
+            </p:txBody>
+          </p:sp>
+          <p:sp>
+            <p:nvSpPr>
+              <p:cNvPr id="60" name="Tekstvak 59"/>
+              <p:cNvSpPr txBox="1"/>
+              <p:nvPr/>
+            </p:nvSpPr>
+            <p:spPr>
+              <a:xfrm>
+                <a:off x="5310099" y="1400164"/>
+                <a:ext cx="304892" cy="292388"/>
+              </a:xfrm>
+              <a:prstGeom prst="rect">
+                <a:avLst/>
+              </a:prstGeom>
+              <a:noFill/>
+            </p:spPr>
+            <p:txBody>
+              <a:bodyPr wrap="none" rtlCol="0">
+                <a:spAutoFit/>
+              </a:bodyPr>
+              <a:lstStyle/>
+              <a:p>
+                <a:r>
+                  <a:rPr lang="nl-BE" sz="1300" dirty="0" smtClean="0">
+                    <a:latin typeface="Times New Roman" pitchFamily="18" charset="0"/>
+                    <a:cs typeface="Times New Roman" pitchFamily="18" charset="0"/>
+                  </a:rPr>
+                  <a:t>B</a:t>
+                </a:r>
+                <a:endParaRPr lang="nl-BE" sz="1300" dirty="0">
+                  <a:latin typeface="Times New Roman" pitchFamily="18" charset="0"/>
+                  <a:cs typeface="Times New Roman" pitchFamily="18" charset="0"/>
+                </a:endParaRPr>
+              </a:p>
+            </p:txBody>
+          </p:sp>
+          <p:sp>
+            <p:nvSpPr>
+              <p:cNvPr id="61" name="Tekstvak 60"/>
+              <p:cNvSpPr txBox="1"/>
+              <p:nvPr/>
+            </p:nvSpPr>
+            <p:spPr>
+              <a:xfrm>
+                <a:off x="5621198" y="1396123"/>
+                <a:ext cx="1735219" cy="292388"/>
+              </a:xfrm>
+              <a:prstGeom prst="rect">
+                <a:avLst/>
+              </a:prstGeom>
+              <a:noFill/>
+            </p:spPr>
+            <p:txBody>
+              <a:bodyPr wrap="none" rtlCol="0">
+                <a:spAutoFit/>
+              </a:bodyPr>
+              <a:lstStyle/>
+              <a:p>
+                <a:r>
+                  <a:rPr lang="nl-BE" sz="1300" dirty="0" smtClean="0">
+                    <a:latin typeface="Times New Roman" pitchFamily="18" charset="0"/>
+                    <a:cs typeface="Times New Roman" pitchFamily="18" charset="0"/>
+                  </a:rPr>
+                  <a:t>A implementeert van B</a:t>
+                </a:r>
+                <a:endParaRPr lang="nl-BE" sz="1300" dirty="0">
+                  <a:latin typeface="Times New Roman" pitchFamily="18" charset="0"/>
+                  <a:cs typeface="Times New Roman" pitchFamily="18" charset="0"/>
+                </a:endParaRPr>
+              </a:p>
+            </p:txBody>
+          </p:sp>
+          <p:cxnSp>
+            <p:nvCxnSpPr>
+              <p:cNvPr id="66" name="Rechte verbindingslijn met pijl 65"/>
+              <p:cNvCxnSpPr>
+                <a:stCxn id="60" idx="1"/>
+                <a:endCxn id="59" idx="3"/>
+              </p:cNvCxnSpPr>
+              <p:nvPr/>
+            </p:nvCxnSpPr>
+            <p:spPr>
+              <a:xfrm flipH="1">
+                <a:off x="4889477" y="1546358"/>
+                <a:ext cx="420622" cy="0"/>
+              </a:xfrm>
+              <a:prstGeom prst="straightConnector1">
+                <a:avLst/>
+              </a:prstGeom>
+              <a:ln w="22225">
+                <a:solidFill>
+                  <a:srgbClr val="96329E"/>
+                </a:solidFill>
+                <a:prstDash val="sysDash"/>
+                <a:headEnd type="triangle" w="lg" len="lg"/>
+                <a:tailEnd type="none" w="lg" len="lg"/>
+              </a:ln>
+            </p:spPr>
+            <p:style>
+              <a:lnRef idx="1">
+                <a:schemeClr val="accent1"/>
+              </a:lnRef>
+              <a:fillRef idx="0">
+                <a:schemeClr val="accent1"/>
+              </a:fillRef>
+              <a:effectRef idx="0">
+                <a:schemeClr val="accent1"/>
+              </a:effectRef>
+              <a:fontRef idx="minor">
+                <a:schemeClr val="tx1"/>
+              </a:fontRef>
+            </p:style>
+          </p:cxnSp>
+        </p:grpSp>
+        <p:grpSp>
+          <p:nvGrpSpPr>
+            <p:cNvPr id="29" name="Groep 28"/>
+            <p:cNvGrpSpPr/>
+            <p:nvPr/>
+          </p:nvGrpSpPr>
+          <p:grpSpPr>
+            <a:xfrm>
+              <a:off x="4584619" y="1140253"/>
+              <a:ext cx="2379062" cy="296429"/>
+              <a:chOff x="4584619" y="1140253"/>
+              <a:chExt cx="2379062" cy="296429"/>
+            </a:xfrm>
+          </p:grpSpPr>
+          <p:sp>
+            <p:nvSpPr>
+              <p:cNvPr id="68" name="Tekstvak 67"/>
+              <p:cNvSpPr txBox="1"/>
+              <p:nvPr/>
+            </p:nvSpPr>
+            <p:spPr>
+              <a:xfrm>
+                <a:off x="4584619" y="1140253"/>
+                <a:ext cx="304892" cy="292388"/>
+              </a:xfrm>
+              <a:prstGeom prst="rect">
+                <a:avLst/>
+              </a:prstGeom>
+              <a:noFill/>
+            </p:spPr>
+            <p:txBody>
+              <a:bodyPr wrap="none" rtlCol="0">
+                <a:spAutoFit/>
+              </a:bodyPr>
+              <a:lstStyle/>
+              <a:p>
+                <a:r>
+                  <a:rPr lang="nl-BE" sz="1300" dirty="0">
+                    <a:latin typeface="Times New Roman" pitchFamily="18" charset="0"/>
+                    <a:cs typeface="Times New Roman" pitchFamily="18" charset="0"/>
+                  </a:rPr>
+                  <a:t>A</a:t>
+                </a:r>
+                <a:endParaRPr lang="nl-BE" sz="1300" dirty="0">
+                  <a:latin typeface="Times New Roman" pitchFamily="18" charset="0"/>
+                  <a:cs typeface="Times New Roman" pitchFamily="18" charset="0"/>
+                </a:endParaRPr>
+              </a:p>
+            </p:txBody>
+          </p:sp>
+          <p:sp>
+            <p:nvSpPr>
+              <p:cNvPr id="69" name="Tekstvak 68"/>
+              <p:cNvSpPr txBox="1"/>
+              <p:nvPr/>
+            </p:nvSpPr>
+            <p:spPr>
+              <a:xfrm>
+                <a:off x="5310099" y="1144294"/>
+                <a:ext cx="304892" cy="292388"/>
+              </a:xfrm>
+              <a:prstGeom prst="rect">
+                <a:avLst/>
+              </a:prstGeom>
+              <a:noFill/>
+            </p:spPr>
+            <p:txBody>
+              <a:bodyPr wrap="none" rtlCol="0">
+                <a:spAutoFit/>
+              </a:bodyPr>
+              <a:lstStyle/>
+              <a:p>
+                <a:r>
+                  <a:rPr lang="nl-BE" sz="1300" dirty="0" smtClean="0">
+                    <a:latin typeface="Times New Roman" pitchFamily="18" charset="0"/>
+                    <a:cs typeface="Times New Roman" pitchFamily="18" charset="0"/>
+                  </a:rPr>
+                  <a:t>B</a:t>
+                </a:r>
+                <a:endParaRPr lang="nl-BE" sz="1300" dirty="0">
+                  <a:latin typeface="Times New Roman" pitchFamily="18" charset="0"/>
+                  <a:cs typeface="Times New Roman" pitchFamily="18" charset="0"/>
+                </a:endParaRPr>
+              </a:p>
+            </p:txBody>
+          </p:sp>
+          <p:sp>
+            <p:nvSpPr>
+              <p:cNvPr id="70" name="Tekstvak 69"/>
+              <p:cNvSpPr txBox="1"/>
+              <p:nvPr/>
+            </p:nvSpPr>
+            <p:spPr>
+              <a:xfrm>
+                <a:off x="5621198" y="1140253"/>
+                <a:ext cx="1342483" cy="292388"/>
+              </a:xfrm>
+              <a:prstGeom prst="rect">
+                <a:avLst/>
+              </a:prstGeom>
+              <a:noFill/>
+            </p:spPr>
+            <p:txBody>
+              <a:bodyPr wrap="none" rtlCol="0">
+                <a:spAutoFit/>
+              </a:bodyPr>
+              <a:lstStyle/>
+              <a:p>
+                <a:r>
+                  <a:rPr lang="nl-BE" sz="1300" dirty="0" smtClean="0">
+                    <a:latin typeface="Times New Roman" pitchFamily="18" charset="0"/>
+                    <a:cs typeface="Times New Roman" pitchFamily="18" charset="0"/>
+                  </a:rPr>
+                  <a:t>A erft over van B</a:t>
+                </a:r>
+                <a:endParaRPr lang="nl-BE" sz="1300" dirty="0">
+                  <a:latin typeface="Times New Roman" pitchFamily="18" charset="0"/>
+                  <a:cs typeface="Times New Roman" pitchFamily="18" charset="0"/>
+                </a:endParaRPr>
+              </a:p>
+            </p:txBody>
+          </p:sp>
+          <p:cxnSp>
+            <p:nvCxnSpPr>
+              <p:cNvPr id="71" name="Rechte verbindingslijn met pijl 70"/>
+              <p:cNvCxnSpPr>
+                <a:stCxn id="69" idx="1"/>
+                <a:endCxn id="68" idx="3"/>
+              </p:cNvCxnSpPr>
+              <p:nvPr/>
+            </p:nvCxnSpPr>
+            <p:spPr>
+              <a:xfrm flipH="1" flipV="1">
+                <a:off x="4889511" y="1286447"/>
+                <a:ext cx="420588" cy="4041"/>
+              </a:xfrm>
+              <a:prstGeom prst="straightConnector1">
+                <a:avLst/>
+              </a:prstGeom>
+              <a:ln w="22225">
+                <a:solidFill>
+                  <a:srgbClr val="96329E"/>
+                </a:solidFill>
+                <a:headEnd type="triangle" w="lg" len="lg"/>
+                <a:tailEnd type="none" w="lg" len="lg"/>
+              </a:ln>
+            </p:spPr>
+            <p:style>
+              <a:lnRef idx="1">
+                <a:schemeClr val="accent1"/>
+              </a:lnRef>
+              <a:fillRef idx="0">
+                <a:schemeClr val="accent1"/>
+              </a:fillRef>
+              <a:effectRef idx="0">
+                <a:schemeClr val="accent1"/>
+              </a:effectRef>
+              <a:fontRef idx="minor">
+                <a:schemeClr val="tx1"/>
+              </a:fontRef>
+            </p:style>
+          </p:cxnSp>
+        </p:grpSp>
+      </p:grpSp>
     </p:spTree>
     <p:extLst>
       <p:ext uri="{BB962C8B-B14F-4D97-AF65-F5344CB8AC3E}">
@@ -6521,7 +5051,7 @@
 </p:sld>
 </file>
 
-<file path=ppt/slides/slide5.xml><?xml version="1.0" encoding="utf-8"?>
+<file path=ppt/slides/slide2.xml><?xml version="1.0" encoding="utf-8"?>
 <p:sld xmlns:a="http://schemas.openxmlformats.org/drawingml/2006/main" xmlns:r="http://schemas.openxmlformats.org/officeDocument/2006/relationships" xmlns:p="http://schemas.openxmlformats.org/presentationml/2006/main">
   <p:cSld>
     <p:spTree>
@@ -6540,16 +5070,16 @@
       </p:grpSpPr>
       <p:grpSp>
         <p:nvGrpSpPr>
-          <p:cNvPr id="47" name="Groep 46"/>
+          <p:cNvPr id="3" name="Groep 2"/>
           <p:cNvGrpSpPr/>
           <p:nvPr/>
         </p:nvGrpSpPr>
         <p:grpSpPr>
           <a:xfrm>
-            <a:off x="2227247" y="1261620"/>
+            <a:off x="2147241" y="1339214"/>
             <a:ext cx="4555250" cy="3989393"/>
-            <a:chOff x="1670435" y="1682159"/>
-            <a:chExt cx="3416436" cy="5319191"/>
+            <a:chOff x="2227247" y="1261620"/>
+            <a:chExt cx="4555250" cy="3989393"/>
           </a:xfrm>
         </p:grpSpPr>
         <p:sp>
@@ -6562,8 +5092,8 @@
           </p:nvSpPr>
           <p:spPr>
             <a:xfrm>
-              <a:off x="3050958" y="1682159"/>
-              <a:ext cx="1620180" cy="2179320"/>
+              <a:off x="4067945" y="1261620"/>
+              <a:ext cx="2160241" cy="1634490"/>
             </a:xfrm>
             <a:prstGeom prst="roundRect">
               <a:avLst/>
@@ -6629,8 +5159,8 @@
           </p:nvGrpSpPr>
           <p:grpSpPr>
             <a:xfrm>
-              <a:off x="1670435" y="2454089"/>
-              <a:ext cx="3416436" cy="4547261"/>
+              <a:off x="2227247" y="1840567"/>
+              <a:ext cx="4555250" cy="3410446"/>
               <a:chOff x="1545228" y="1876742"/>
               <a:chExt cx="4555248" cy="3410446"/>
             </a:xfrm>
@@ -7056,327 +5586,329 @@
             </p:txBody>
           </p:sp>
         </p:grpSp>
-        <p:grpSp>
-          <p:nvGrpSpPr>
-            <p:cNvPr id="85" name="Groep 84"/>
-            <p:cNvGrpSpPr/>
+      </p:grpSp>
+      <p:grpSp>
+        <p:nvGrpSpPr>
+          <p:cNvPr id="2" name="Groep 1"/>
+          <p:cNvGrpSpPr/>
+          <p:nvPr/>
+        </p:nvGrpSpPr>
+        <p:grpSpPr>
+          <a:xfrm>
+            <a:off x="2844379" y="2064355"/>
+            <a:ext cx="3160976" cy="2971864"/>
+            <a:chOff x="2844379" y="2064355"/>
+            <a:chExt cx="3160976" cy="2971864"/>
+          </a:xfrm>
+        </p:grpSpPr>
+        <p:cxnSp>
+          <p:nvCxnSpPr>
+            <p:cNvPr id="24" name="Gebogen verbindingslijn 23"/>
+            <p:cNvCxnSpPr>
+              <a:stCxn id="10" idx="2"/>
+              <a:endCxn id="6" idx="0"/>
+            </p:cNvCxnSpPr>
             <p:nvPr/>
-          </p:nvGrpSpPr>
-          <p:grpSpPr>
+          </p:nvCxnSpPr>
+          <p:spPr>
+            <a:xfrm rot="16200000" flipH="1">
+              <a:off x="5040812" y="2664958"/>
+              <a:ext cx="970036" cy="959049"/>
+            </a:xfrm>
+            <a:prstGeom prst="bentConnector3">
+              <a:avLst>
+                <a:gd name="adj1" fmla="val 50000"/>
+              </a:avLst>
+            </a:prstGeom>
+            <a:ln w="22225">
+              <a:solidFill>
+                <a:srgbClr val="96329E"/>
+              </a:solidFill>
+              <a:prstDash val="sysDash"/>
+              <a:headEnd type="triangle" w="lg" len="lg"/>
+              <a:tailEnd type="none" w="lg" len="lg"/>
+            </a:ln>
+          </p:spPr>
+          <p:style>
+            <a:lnRef idx="1">
+              <a:schemeClr val="accent1"/>
+            </a:lnRef>
+            <a:fillRef idx="0">
+              <a:schemeClr val="accent1"/>
+            </a:fillRef>
+            <a:effectRef idx="0">
+              <a:schemeClr val="accent1"/>
+            </a:effectRef>
+            <a:fontRef idx="minor">
+              <a:schemeClr val="tx1"/>
+            </a:fontRef>
+          </p:style>
+        </p:cxnSp>
+        <p:cxnSp>
+          <p:nvCxnSpPr>
+            <p:cNvPr id="27" name="Gebogen verbindingslijn 26"/>
+            <p:cNvCxnSpPr>
+              <a:stCxn id="10" idx="2"/>
+              <a:endCxn id="7" idx="0"/>
+            </p:cNvCxnSpPr>
+            <p:nvPr/>
+          </p:nvCxnSpPr>
+          <p:spPr>
+            <a:xfrm rot="5400000">
+              <a:off x="4079552" y="2662081"/>
+              <a:ext cx="969370" cy="964139"/>
+            </a:xfrm>
+            <a:prstGeom prst="bentConnector3">
+              <a:avLst>
+                <a:gd name="adj1" fmla="val 50000"/>
+              </a:avLst>
+            </a:prstGeom>
+            <a:ln w="22225">
+              <a:solidFill>
+                <a:srgbClr val="96329E"/>
+              </a:solidFill>
+              <a:prstDash val="sysDash"/>
+              <a:headEnd type="triangle" w="lg" len="lg"/>
+              <a:tailEnd type="none" w="lg" len="lg"/>
+            </a:ln>
+          </p:spPr>
+          <p:style>
+            <a:lnRef idx="1">
+              <a:schemeClr val="accent1"/>
+            </a:lnRef>
+            <a:fillRef idx="0">
+              <a:schemeClr val="accent1"/>
+            </a:fillRef>
+            <a:effectRef idx="0">
+              <a:schemeClr val="accent1"/>
+            </a:effectRef>
+            <a:fontRef idx="minor">
+              <a:schemeClr val="tx1"/>
+            </a:fontRef>
+          </p:style>
+        </p:cxnSp>
+        <p:cxnSp>
+          <p:nvCxnSpPr>
+            <p:cNvPr id="30" name="Rechte verbindingslijn met pijl 29"/>
+            <p:cNvCxnSpPr>
+              <a:stCxn id="20" idx="2"/>
+              <a:endCxn id="22" idx="0"/>
+            </p:cNvCxnSpPr>
+            <p:nvPr/>
+          </p:nvCxnSpPr>
+          <p:spPr>
             <a:xfrm>
-              <a:off x="2193288" y="2649014"/>
-              <a:ext cx="2370733" cy="3962487"/>
-              <a:chOff x="2242366" y="2005140"/>
-              <a:chExt cx="3160976" cy="2971866"/>
+              <a:off x="5996744" y="4621114"/>
+              <a:ext cx="6366" cy="415105"/>
             </a:xfrm>
-          </p:grpSpPr>
-          <p:cxnSp>
-            <p:nvCxnSpPr>
-              <p:cNvPr id="24" name="Gebogen verbindingslijn 23"/>
-              <p:cNvCxnSpPr>
-                <a:stCxn id="10" idx="2"/>
-                <a:endCxn id="6" idx="0"/>
-              </p:cNvCxnSpPr>
-              <p:nvPr/>
-            </p:nvCxnSpPr>
-            <p:spPr>
-              <a:xfrm rot="16200000" flipH="1">
-                <a:off x="4438799" y="2605743"/>
-                <a:ext cx="970036" cy="959050"/>
-              </a:xfrm>
-              <a:prstGeom prst="bentConnector3">
-                <a:avLst>
-                  <a:gd name="adj1" fmla="val 50000"/>
-                </a:avLst>
-              </a:prstGeom>
-              <a:ln w="31750">
-                <a:solidFill>
-                  <a:srgbClr val="96329E"/>
-                </a:solidFill>
-                <a:headEnd w="lg" len="lg"/>
-                <a:tailEnd type="arrow" w="lg" len="lg"/>
-              </a:ln>
-            </p:spPr>
-            <p:style>
-              <a:lnRef idx="1">
-                <a:schemeClr val="accent1"/>
-              </a:lnRef>
-              <a:fillRef idx="0">
-                <a:schemeClr val="accent1"/>
-              </a:fillRef>
-              <a:effectRef idx="0">
-                <a:schemeClr val="accent1"/>
-              </a:effectRef>
-              <a:fontRef idx="minor">
-                <a:schemeClr val="tx1"/>
-              </a:fontRef>
-            </p:style>
-          </p:cxnSp>
-          <p:cxnSp>
-            <p:nvCxnSpPr>
-              <p:cNvPr id="27" name="Gebogen verbindingslijn 26"/>
-              <p:cNvCxnSpPr>
-                <a:stCxn id="10" idx="2"/>
-                <a:endCxn id="7" idx="0"/>
-              </p:cNvCxnSpPr>
-              <p:nvPr/>
-            </p:nvCxnSpPr>
-            <p:spPr>
-              <a:xfrm rot="5400000">
-                <a:off x="3477538" y="2602866"/>
-                <a:ext cx="969370" cy="964139"/>
-              </a:xfrm>
-              <a:prstGeom prst="bentConnector3">
-                <a:avLst>
-                  <a:gd name="adj1" fmla="val 50000"/>
-                </a:avLst>
-              </a:prstGeom>
-              <a:ln w="31750">
-                <a:solidFill>
-                  <a:srgbClr val="96329E"/>
-                </a:solidFill>
-                <a:headEnd w="lg" len="lg"/>
-                <a:tailEnd type="arrow" w="lg" len="lg"/>
-              </a:ln>
-            </p:spPr>
-            <p:style>
-              <a:lnRef idx="1">
-                <a:schemeClr val="accent1"/>
-              </a:lnRef>
-              <a:fillRef idx="0">
-                <a:schemeClr val="accent1"/>
-              </a:fillRef>
-              <a:effectRef idx="0">
-                <a:schemeClr val="accent1"/>
-              </a:effectRef>
-              <a:fontRef idx="minor">
-                <a:schemeClr val="tx1"/>
-              </a:fontRef>
-            </p:style>
-          </p:cxnSp>
-          <p:cxnSp>
-            <p:nvCxnSpPr>
-              <p:cNvPr id="30" name="Rechte verbindingslijn met pijl 29"/>
-              <p:cNvCxnSpPr>
-                <a:stCxn id="20" idx="2"/>
-                <a:endCxn id="22" idx="0"/>
-              </p:cNvCxnSpPr>
-              <p:nvPr/>
-            </p:nvCxnSpPr>
-            <p:spPr>
-              <a:xfrm>
-                <a:off x="5394730" y="4561901"/>
-                <a:ext cx="6367" cy="415105"/>
-              </a:xfrm>
-              <a:prstGeom prst="straightConnector1">
-                <a:avLst/>
-              </a:prstGeom>
-              <a:ln w="31750">
-                <a:headEnd w="lg" len="lg"/>
-                <a:tailEnd type="arrow" w="lg" len="lg"/>
-              </a:ln>
-            </p:spPr>
-            <p:style>
-              <a:lnRef idx="1">
-                <a:schemeClr val="accent1"/>
-              </a:lnRef>
-              <a:fillRef idx="0">
-                <a:schemeClr val="accent1"/>
-              </a:fillRef>
-              <a:effectRef idx="0">
-                <a:schemeClr val="accent1"/>
-              </a:effectRef>
-              <a:fontRef idx="minor">
-                <a:schemeClr val="tx1"/>
-              </a:fontRef>
-            </p:style>
-          </p:cxnSp>
-          <p:cxnSp>
-            <p:nvCxnSpPr>
-              <p:cNvPr id="31" name="Rechte verbindingslijn met pijl 30"/>
-              <p:cNvCxnSpPr>
-                <a:stCxn id="6" idx="2"/>
-                <a:endCxn id="20" idx="0"/>
-              </p:cNvCxnSpPr>
-              <p:nvPr/>
-            </p:nvCxnSpPr>
-            <p:spPr>
-              <a:xfrm flipH="1">
-                <a:off x="5394729" y="3862009"/>
-                <a:ext cx="8612" cy="407503"/>
-              </a:xfrm>
-              <a:prstGeom prst="straightConnector1">
-                <a:avLst/>
-              </a:prstGeom>
-              <a:ln w="31750">
-                <a:headEnd w="lg" len="lg"/>
-                <a:tailEnd type="arrow" w="lg" len="lg"/>
-              </a:ln>
-            </p:spPr>
-            <p:style>
-              <a:lnRef idx="1">
-                <a:schemeClr val="accent1"/>
-              </a:lnRef>
-              <a:fillRef idx="0">
-                <a:schemeClr val="accent1"/>
-              </a:fillRef>
-              <a:effectRef idx="0">
-                <a:schemeClr val="accent1"/>
-              </a:effectRef>
-              <a:fontRef idx="minor">
-                <a:schemeClr val="tx1"/>
-              </a:fontRef>
-            </p:style>
-          </p:cxnSp>
-          <p:cxnSp>
-            <p:nvCxnSpPr>
-              <p:cNvPr id="32" name="Rechte verbindingslijn met pijl 31"/>
-              <p:cNvCxnSpPr>
-                <a:stCxn id="19" idx="2"/>
-                <a:endCxn id="21" idx="0"/>
-              </p:cNvCxnSpPr>
-              <p:nvPr/>
-            </p:nvCxnSpPr>
-            <p:spPr>
-              <a:xfrm>
-                <a:off x="3475064" y="4548687"/>
-                <a:ext cx="1" cy="428318"/>
-              </a:xfrm>
-              <a:prstGeom prst="straightConnector1">
-                <a:avLst/>
-              </a:prstGeom>
-              <a:ln w="31750">
-                <a:headEnd w="lg" len="lg"/>
-                <a:tailEnd type="arrow" w="lg" len="lg"/>
-              </a:ln>
-            </p:spPr>
-            <p:style>
-              <a:lnRef idx="1">
-                <a:schemeClr val="accent1"/>
-              </a:lnRef>
-              <a:fillRef idx="0">
-                <a:schemeClr val="accent1"/>
-              </a:fillRef>
-              <a:effectRef idx="0">
-                <a:schemeClr val="accent1"/>
-              </a:effectRef>
-              <a:fontRef idx="minor">
-                <a:schemeClr val="tx1"/>
-              </a:fontRef>
-            </p:style>
-          </p:cxnSp>
-          <p:cxnSp>
-            <p:nvCxnSpPr>
-              <p:cNvPr id="33" name="Rechte verbindingslijn met pijl 32"/>
-              <p:cNvCxnSpPr>
-                <a:stCxn id="7" idx="2"/>
-                <a:endCxn id="19" idx="0"/>
-              </p:cNvCxnSpPr>
-              <p:nvPr/>
-            </p:nvCxnSpPr>
-            <p:spPr>
-              <a:xfrm flipH="1">
-                <a:off x="3475064" y="3862009"/>
-                <a:ext cx="5090" cy="394290"/>
-              </a:xfrm>
-              <a:prstGeom prst="straightConnector1">
-                <a:avLst/>
-              </a:prstGeom>
-              <a:ln w="31750">
-                <a:headEnd w="lg" len="lg"/>
-                <a:tailEnd type="arrow" w="lg" len="lg"/>
-              </a:ln>
-            </p:spPr>
-            <p:style>
-              <a:lnRef idx="1">
-                <a:schemeClr val="accent1"/>
-              </a:lnRef>
-              <a:fillRef idx="0">
-                <a:schemeClr val="accent1"/>
-              </a:fillRef>
-              <a:effectRef idx="0">
-                <a:schemeClr val="accent1"/>
-              </a:effectRef>
-              <a:fontRef idx="minor">
-                <a:schemeClr val="tx1"/>
-              </a:fontRef>
-            </p:style>
-          </p:cxnSp>
-          <p:cxnSp>
-            <p:nvCxnSpPr>
-              <p:cNvPr id="54" name="Rechte verbindingslijn met pijl 53"/>
-              <p:cNvCxnSpPr>
-                <a:stCxn id="8" idx="3"/>
-                <a:endCxn id="11" idx="1"/>
-              </p:cNvCxnSpPr>
-              <p:nvPr/>
-            </p:nvCxnSpPr>
-            <p:spPr>
-              <a:xfrm>
-                <a:off x="2939500" y="2005140"/>
-                <a:ext cx="807654" cy="466"/>
-              </a:xfrm>
-              <a:prstGeom prst="straightConnector1">
-                <a:avLst/>
-              </a:prstGeom>
-              <a:ln w="31750">
-                <a:headEnd w="lg" len="lg"/>
-                <a:tailEnd type="arrow" w="lg" len="lg"/>
-              </a:ln>
-            </p:spPr>
-            <p:style>
-              <a:lnRef idx="1">
-                <a:schemeClr val="accent1"/>
-              </a:lnRef>
-              <a:fillRef idx="0">
-                <a:schemeClr val="accent1"/>
-              </a:fillRef>
-              <a:effectRef idx="0">
-                <a:schemeClr val="accent1"/>
-              </a:effectRef>
-              <a:fontRef idx="minor">
-                <a:schemeClr val="tx1"/>
-              </a:fontRef>
-            </p:style>
-          </p:cxnSp>
-          <p:cxnSp>
-            <p:nvCxnSpPr>
-              <p:cNvPr id="73" name="Gebogen verbindingslijn 72"/>
-              <p:cNvCxnSpPr>
-                <a:stCxn id="19" idx="1"/>
-                <a:endCxn id="8" idx="2"/>
-              </p:cNvCxnSpPr>
-              <p:nvPr/>
-            </p:nvCxnSpPr>
-            <p:spPr>
-              <a:xfrm rot="10800000">
-                <a:off x="2242366" y="2151334"/>
-                <a:ext cx="535562" cy="2251159"/>
-              </a:xfrm>
-              <a:prstGeom prst="bentConnector2">
-                <a:avLst/>
-              </a:prstGeom>
-              <a:ln w="31750">
-                <a:headEnd w="lg" len="lg"/>
-                <a:tailEnd type="arrow" w="lg" len="lg"/>
-              </a:ln>
-            </p:spPr>
-            <p:style>
-              <a:lnRef idx="1">
-                <a:schemeClr val="accent1"/>
-              </a:lnRef>
-              <a:fillRef idx="0">
-                <a:schemeClr val="accent1"/>
-              </a:fillRef>
-              <a:effectRef idx="0">
-                <a:schemeClr val="accent1"/>
-              </a:effectRef>
-              <a:fontRef idx="minor">
-                <a:schemeClr val="tx1"/>
-              </a:fontRef>
-            </p:style>
-          </p:cxnSp>
-        </p:grpSp>
+            <a:prstGeom prst="straightConnector1">
+              <a:avLst/>
+            </a:prstGeom>
+            <a:ln w="22225">
+              <a:headEnd type="none" w="lg" len="lg"/>
+              <a:tailEnd type="arrow" w="lg" len="lg"/>
+            </a:ln>
+          </p:spPr>
+          <p:style>
+            <a:lnRef idx="1">
+              <a:schemeClr val="accent1"/>
+            </a:lnRef>
+            <a:fillRef idx="0">
+              <a:schemeClr val="accent1"/>
+            </a:fillRef>
+            <a:effectRef idx="0">
+              <a:schemeClr val="accent1"/>
+            </a:effectRef>
+            <a:fontRef idx="minor">
+              <a:schemeClr val="tx1"/>
+            </a:fontRef>
+          </p:style>
+        </p:cxnSp>
+        <p:cxnSp>
+          <p:nvCxnSpPr>
+            <p:cNvPr id="31" name="Rechte verbindingslijn met pijl 30"/>
+            <p:cNvCxnSpPr>
+              <a:stCxn id="6" idx="2"/>
+              <a:endCxn id="20" idx="0"/>
+            </p:cNvCxnSpPr>
+            <p:nvPr/>
+          </p:nvCxnSpPr>
+          <p:spPr>
+            <a:xfrm flipH="1">
+              <a:off x="5996744" y="3921223"/>
+              <a:ext cx="8611" cy="407503"/>
+            </a:xfrm>
+            <a:prstGeom prst="straightConnector1">
+              <a:avLst/>
+            </a:prstGeom>
+            <a:ln w="22225">
+              <a:headEnd type="none" w="lg" len="lg"/>
+              <a:tailEnd type="arrow" w="lg" len="lg"/>
+            </a:ln>
+          </p:spPr>
+          <p:style>
+            <a:lnRef idx="1">
+              <a:schemeClr val="accent1"/>
+            </a:lnRef>
+            <a:fillRef idx="0">
+              <a:schemeClr val="accent1"/>
+            </a:fillRef>
+            <a:effectRef idx="0">
+              <a:schemeClr val="accent1"/>
+            </a:effectRef>
+            <a:fontRef idx="minor">
+              <a:schemeClr val="tx1"/>
+            </a:fontRef>
+          </p:style>
+        </p:cxnSp>
+        <p:cxnSp>
+          <p:nvCxnSpPr>
+            <p:cNvPr id="32" name="Rechte verbindingslijn met pijl 31"/>
+            <p:cNvCxnSpPr>
+              <a:stCxn id="19" idx="2"/>
+              <a:endCxn id="21" idx="0"/>
+            </p:cNvCxnSpPr>
+            <p:nvPr/>
+          </p:nvCxnSpPr>
+          <p:spPr>
+            <a:xfrm>
+              <a:off x="4077077" y="4607901"/>
+              <a:ext cx="1" cy="428318"/>
+            </a:xfrm>
+            <a:prstGeom prst="straightConnector1">
+              <a:avLst/>
+            </a:prstGeom>
+            <a:ln w="22225">
+              <a:headEnd type="none" w="lg" len="lg"/>
+              <a:tailEnd type="arrow" w="lg" len="lg"/>
+            </a:ln>
+          </p:spPr>
+          <p:style>
+            <a:lnRef idx="1">
+              <a:schemeClr val="accent1"/>
+            </a:lnRef>
+            <a:fillRef idx="0">
+              <a:schemeClr val="accent1"/>
+            </a:fillRef>
+            <a:effectRef idx="0">
+              <a:schemeClr val="accent1"/>
+            </a:effectRef>
+            <a:fontRef idx="minor">
+              <a:schemeClr val="tx1"/>
+            </a:fontRef>
+          </p:style>
+        </p:cxnSp>
+        <p:cxnSp>
+          <p:nvCxnSpPr>
+            <p:cNvPr id="33" name="Rechte verbindingslijn met pijl 32"/>
+            <p:cNvCxnSpPr>
+              <a:stCxn id="7" idx="2"/>
+              <a:endCxn id="19" idx="0"/>
+            </p:cNvCxnSpPr>
+            <p:nvPr/>
+          </p:nvCxnSpPr>
+          <p:spPr>
+            <a:xfrm flipH="1">
+              <a:off x="4077077" y="3921223"/>
+              <a:ext cx="5090" cy="394290"/>
+            </a:xfrm>
+            <a:prstGeom prst="straightConnector1">
+              <a:avLst/>
+            </a:prstGeom>
+            <a:ln w="22225">
+              <a:headEnd type="none" w="lg" len="lg"/>
+              <a:tailEnd type="arrow" w="lg" len="lg"/>
+            </a:ln>
+          </p:spPr>
+          <p:style>
+            <a:lnRef idx="1">
+              <a:schemeClr val="accent1"/>
+            </a:lnRef>
+            <a:fillRef idx="0">
+              <a:schemeClr val="accent1"/>
+            </a:fillRef>
+            <a:effectRef idx="0">
+              <a:schemeClr val="accent1"/>
+            </a:effectRef>
+            <a:fontRef idx="minor">
+              <a:schemeClr val="tx1"/>
+            </a:fontRef>
+          </p:style>
+        </p:cxnSp>
+        <p:cxnSp>
+          <p:nvCxnSpPr>
+            <p:cNvPr id="54" name="Rechte verbindingslijn met pijl 53"/>
+            <p:cNvCxnSpPr>
+              <a:stCxn id="8" idx="3"/>
+              <a:endCxn id="11" idx="1"/>
+            </p:cNvCxnSpPr>
+            <p:nvPr/>
+          </p:nvCxnSpPr>
+          <p:spPr>
+            <a:xfrm>
+              <a:off x="3541514" y="2064355"/>
+              <a:ext cx="807655" cy="466"/>
+            </a:xfrm>
+            <a:prstGeom prst="straightConnector1">
+              <a:avLst/>
+            </a:prstGeom>
+            <a:ln w="22225">
+              <a:headEnd type="arrow" w="lg" len="lg"/>
+              <a:tailEnd type="none" w="lg" len="lg"/>
+            </a:ln>
+          </p:spPr>
+          <p:style>
+            <a:lnRef idx="1">
+              <a:schemeClr val="accent1"/>
+            </a:lnRef>
+            <a:fillRef idx="0">
+              <a:schemeClr val="accent1"/>
+            </a:fillRef>
+            <a:effectRef idx="0">
+              <a:schemeClr val="accent1"/>
+            </a:effectRef>
+            <a:fontRef idx="minor">
+              <a:schemeClr val="tx1"/>
+            </a:fontRef>
+          </p:style>
+        </p:cxnSp>
+        <p:cxnSp>
+          <p:nvCxnSpPr>
+            <p:cNvPr id="73" name="Gebogen verbindingslijn 72"/>
+            <p:cNvCxnSpPr>
+              <a:stCxn id="19" idx="1"/>
+              <a:endCxn id="8" idx="2"/>
+            </p:cNvCxnSpPr>
+            <p:nvPr/>
+          </p:nvCxnSpPr>
+          <p:spPr>
+            <a:xfrm rot="10800000">
+              <a:off x="2844379" y="2210549"/>
+              <a:ext cx="535563" cy="2251158"/>
+            </a:xfrm>
+            <a:prstGeom prst="bentConnector2">
+              <a:avLst/>
+            </a:prstGeom>
+            <a:ln w="22225">
+              <a:headEnd type="arrow" w="lg" len="lg"/>
+              <a:tailEnd type="none" w="lg" len="lg"/>
+            </a:ln>
+          </p:spPr>
+          <p:style>
+            <a:lnRef idx="1">
+              <a:schemeClr val="accent1"/>
+            </a:lnRef>
+            <a:fillRef idx="0">
+              <a:schemeClr val="accent1"/>
+            </a:fillRef>
+            <a:effectRef idx="0">
+              <a:schemeClr val="accent1"/>
+            </a:effectRef>
+            <a:fontRef idx="minor">
+              <a:schemeClr val="tx1"/>
+            </a:fontRef>
+          </p:style>
+        </p:cxnSp>
       </p:grpSp>
     </p:spTree>
     <p:extLst>
@@ -7391,7 +5923,7 @@
 </p:sld>
 </file>
 
-<file path=ppt/slides/slide6.xml><?xml version="1.0" encoding="utf-8"?>
+<file path=ppt/slides/slide3.xml><?xml version="1.0" encoding="utf-8"?>
 <p:sld xmlns:a="http://schemas.openxmlformats.org/drawingml/2006/main" xmlns:r="http://schemas.openxmlformats.org/officeDocument/2006/relationships" xmlns:p="http://schemas.openxmlformats.org/presentationml/2006/main">
   <p:cSld>
     <p:spTree>
@@ -7756,12 +6288,12 @@
               <a:gd name="adj1" fmla="val 50000"/>
             </a:avLst>
           </a:prstGeom>
-          <a:ln w="31750">
+          <a:ln w="22225">
             <a:solidFill>
               <a:srgbClr val="96329E"/>
             </a:solidFill>
-            <a:headEnd w="lg" len="lg"/>
-            <a:tailEnd type="arrow" w="lg" len="lg"/>
+            <a:headEnd type="triangle" w="lg" len="lg"/>
+            <a:tailEnd type="none" w="lg" len="lg"/>
           </a:ln>
         </p:spPr>
         <p:style>
@@ -7796,9 +6328,9 @@
           <a:prstGeom prst="straightConnector1">
             <a:avLst/>
           </a:prstGeom>
-          <a:ln w="31750">
-            <a:headEnd w="lg" len="lg"/>
-            <a:tailEnd type="arrow" w="lg" len="lg"/>
+          <a:ln w="22225">
+            <a:headEnd type="arrow" w="lg" len="lg"/>
+            <a:tailEnd type="none" w="lg" len="lg"/>
           </a:ln>
         </p:spPr>
         <p:style>
@@ -7833,9 +6365,9 @@
           <a:prstGeom prst="straightConnector1">
             <a:avLst/>
           </a:prstGeom>
-          <a:ln w="31750">
-            <a:headEnd w="lg" len="lg"/>
-            <a:tailEnd type="arrow" w="lg" len="lg"/>
+          <a:ln w="22225">
+            <a:headEnd type="arrow" w="lg" len="lg"/>
+            <a:tailEnd type="none" w="lg" len="lg"/>
           </a:ln>
         </p:spPr>
         <p:style>
@@ -7919,7 +6451,7 @@
               <a:gd name="adj1" fmla="val 50000"/>
             </a:avLst>
           </a:prstGeom>
-          <a:ln w="31750">
+          <a:ln w="22225">
             <a:headEnd w="lg" len="lg"/>
             <a:tailEnd type="arrow" w="lg" len="lg"/>
           </a:ln>
@@ -7956,9 +6488,9 @@
           <a:prstGeom prst="straightConnector1">
             <a:avLst/>
           </a:prstGeom>
-          <a:ln w="31750">
-            <a:headEnd w="lg" len="lg"/>
-            <a:tailEnd type="arrow" w="lg" len="lg"/>
+          <a:ln w="22225">
+            <a:headEnd type="arrow" w="lg" len="lg"/>
+            <a:tailEnd type="none" w="lg" len="lg"/>
           </a:ln>
         </p:spPr>
         <p:style>
@@ -7995,12 +6527,12 @@
               <a:gd name="adj1" fmla="val 50000"/>
             </a:avLst>
           </a:prstGeom>
-          <a:ln w="31750">
+          <a:ln w="22225">
             <a:solidFill>
               <a:srgbClr val="96329E"/>
             </a:solidFill>
-            <a:headEnd w="lg" len="lg"/>
-            <a:tailEnd type="arrow" w="lg" len="lg"/>
+            <a:headEnd type="triangle" w="lg" len="lg"/>
+            <a:tailEnd type="none" w="lg" len="lg"/>
           </a:ln>
         </p:spPr>
         <p:style>
@@ -8035,10 +6567,94 @@
           <a:prstGeom prst="straightConnector1">
             <a:avLst/>
           </a:prstGeom>
-          <a:ln w="31750">
+          <a:ln w="22225">
             <a:solidFill>
               <a:srgbClr val="96329E"/>
             </a:solidFill>
+            <a:headEnd type="triangle" w="lg" len="lg"/>
+            <a:tailEnd type="none" w="lg" len="lg"/>
+          </a:ln>
+        </p:spPr>
+        <p:style>
+          <a:lnRef idx="1">
+            <a:schemeClr val="accent1"/>
+          </a:lnRef>
+          <a:fillRef idx="0">
+            <a:schemeClr val="accent1"/>
+          </a:fillRef>
+          <a:effectRef idx="0">
+            <a:schemeClr val="accent1"/>
+          </a:effectRef>
+          <a:fontRef idx="minor">
+            <a:schemeClr val="tx1"/>
+          </a:fontRef>
+        </p:style>
+      </p:cxnSp>
+      <p:sp>
+        <p:nvSpPr>
+          <p:cNvPr id="176" name="Tekstvak 175"/>
+          <p:cNvSpPr txBox="1">
+            <a:spLocks noChangeAspect="1"/>
+          </p:cNvSpPr>
+          <p:nvPr/>
+        </p:nvSpPr>
+        <p:spPr>
+          <a:xfrm>
+            <a:off x="3604012" y="1576414"/>
+            <a:ext cx="1360213" cy="292388"/>
+          </a:xfrm>
+          <a:prstGeom prst="rect">
+            <a:avLst/>
+          </a:prstGeom>
+          <a:noFill/>
+          <a:ln>
+            <a:solidFill>
+              <a:schemeClr val="tx1"/>
+            </a:solidFill>
+          </a:ln>
+        </p:spPr>
+        <p:txBody>
+          <a:bodyPr wrap="square" rtlCol="0" anchor="ctr" anchorCtr="1">
+            <a:spAutoFit/>
+          </a:bodyPr>
+          <a:lstStyle>
+            <a:defPPr>
+              <a:defRPr lang="nl-BE"/>
+            </a:defPPr>
+            <a:lvl1pPr algn="ctr">
+              <a:defRPr sz="1300">
+                <a:latin typeface="Times New Roman" pitchFamily="18" charset="0"/>
+                <a:cs typeface="Times New Roman" pitchFamily="18" charset="0"/>
+              </a:defRPr>
+            </a:lvl1pPr>
+          </a:lstStyle>
+          <a:p>
+            <a:r>
+              <a:rPr lang="nl-BE" i="1" dirty="0" err="1" smtClean="0"/>
+              <a:t>PilotInterface</a:t>
+            </a:r>
+            <a:endParaRPr lang="nl-BE" i="1" dirty="0"/>
+          </a:p>
+        </p:txBody>
+      </p:sp>
+      <p:cxnSp>
+        <p:nvCxnSpPr>
+          <p:cNvPr id="196" name="Rechte verbindingslijn met pijl 195"/>
+          <p:cNvCxnSpPr>
+            <a:stCxn id="22" idx="0"/>
+            <a:endCxn id="176" idx="2"/>
+          </p:cNvCxnSpPr>
+          <p:nvPr/>
+        </p:nvCxnSpPr>
+        <p:spPr>
+          <a:xfrm flipH="1" flipV="1">
+            <a:off x="4284119" y="1868802"/>
+            <a:ext cx="8512" cy="505301"/>
+          </a:xfrm>
+          <a:prstGeom prst="straightConnector1">
+            <a:avLst/>
+          </a:prstGeom>
+          <a:ln w="22225">
             <a:headEnd w="lg" len="lg"/>
             <a:tailEnd type="arrow" w="lg" len="lg"/>
           </a:ln>
@@ -8060,90 +6676,6 @@
       </p:cxnSp>
       <p:sp>
         <p:nvSpPr>
-          <p:cNvPr id="176" name="Tekstvak 175"/>
-          <p:cNvSpPr txBox="1">
-            <a:spLocks noChangeAspect="1"/>
-          </p:cNvSpPr>
-          <p:nvPr/>
-        </p:nvSpPr>
-        <p:spPr>
-          <a:xfrm>
-            <a:off x="3604012" y="1576414"/>
-            <a:ext cx="1360213" cy="292388"/>
-          </a:xfrm>
-          <a:prstGeom prst="rect">
-            <a:avLst/>
-          </a:prstGeom>
-          <a:noFill/>
-          <a:ln>
-            <a:solidFill>
-              <a:schemeClr val="tx1"/>
-            </a:solidFill>
-          </a:ln>
-        </p:spPr>
-        <p:txBody>
-          <a:bodyPr wrap="square" rtlCol="0" anchor="ctr" anchorCtr="1">
-            <a:spAutoFit/>
-          </a:bodyPr>
-          <a:lstStyle>
-            <a:defPPr>
-              <a:defRPr lang="nl-BE"/>
-            </a:defPPr>
-            <a:lvl1pPr algn="ctr">
-              <a:defRPr sz="1300">
-                <a:latin typeface="Times New Roman" pitchFamily="18" charset="0"/>
-                <a:cs typeface="Times New Roman" pitchFamily="18" charset="0"/>
-              </a:defRPr>
-            </a:lvl1pPr>
-          </a:lstStyle>
-          <a:p>
-            <a:r>
-              <a:rPr lang="nl-BE" i="1" dirty="0" err="1" smtClean="0"/>
-              <a:t>PilotInterface</a:t>
-            </a:r>
-            <a:endParaRPr lang="nl-BE" i="1" dirty="0"/>
-          </a:p>
-        </p:txBody>
-      </p:sp>
-      <p:cxnSp>
-        <p:nvCxnSpPr>
-          <p:cNvPr id="196" name="Rechte verbindingslijn met pijl 195"/>
-          <p:cNvCxnSpPr>
-            <a:stCxn id="22" idx="0"/>
-            <a:endCxn id="176" idx="2"/>
-          </p:cNvCxnSpPr>
-          <p:nvPr/>
-        </p:nvCxnSpPr>
-        <p:spPr>
-          <a:xfrm flipH="1" flipV="1">
-            <a:off x="4284119" y="1868802"/>
-            <a:ext cx="8512" cy="505301"/>
-          </a:xfrm>
-          <a:prstGeom prst="straightConnector1">
-            <a:avLst/>
-          </a:prstGeom>
-          <a:ln w="31750">
-            <a:headEnd w="lg" len="lg"/>
-            <a:tailEnd type="arrow" w="lg" len="lg"/>
-          </a:ln>
-        </p:spPr>
-        <p:style>
-          <a:lnRef idx="1">
-            <a:schemeClr val="accent1"/>
-          </a:lnRef>
-          <a:fillRef idx="0">
-            <a:schemeClr val="accent1"/>
-          </a:fillRef>
-          <a:effectRef idx="0">
-            <a:schemeClr val="accent1"/>
-          </a:effectRef>
-          <a:fontRef idx="minor">
-            <a:schemeClr val="tx1"/>
-          </a:fontRef>
-        </p:style>
-      </p:cxnSp>
-      <p:sp>
-        <p:nvSpPr>
           <p:cNvPr id="205" name="Tekstvak 204"/>
           <p:cNvSpPr txBox="1">
             <a:spLocks noChangeAspect="1"/>
@@ -8206,10 +6738,7 @@
           <a:prstGeom prst="straightConnector1">
             <a:avLst/>
           </a:prstGeom>
-          <a:ln w="31750">
-            <a:solidFill>
-              <a:srgbClr val="96329E"/>
-            </a:solidFill>
+          <a:ln w="22225">
             <a:headEnd w="lg" len="lg"/>
             <a:tailEnd type="arrow" w="lg" len="lg"/>
           </a:ln>
@@ -8233,243 +6762,6 @@
     <p:extLst>
       <p:ext uri="{BB962C8B-B14F-4D97-AF65-F5344CB8AC3E}">
         <p14:creationId xmlns:p14="http://schemas.microsoft.com/office/powerpoint/2010/main" val="3314754467"/>
-      </p:ext>
-    </p:extLst>
-  </p:cSld>
-  <p:clrMapOvr>
-    <a:masterClrMapping/>
-  </p:clrMapOvr>
-</p:sld>
-</file>
-
-<file path=ppt/slides/slide7.xml><?xml version="1.0" encoding="utf-8"?>
-<p:sld xmlns:a="http://schemas.openxmlformats.org/drawingml/2006/main" xmlns:r="http://schemas.openxmlformats.org/officeDocument/2006/relationships" xmlns:p="http://schemas.openxmlformats.org/presentationml/2006/main">
-  <p:cSld>
-    <p:spTree>
-      <p:nvGrpSpPr>
-        <p:cNvPr id="1" name=""/>
-        <p:cNvGrpSpPr/>
-        <p:nvPr/>
-      </p:nvGrpSpPr>
-      <p:grpSpPr>
-        <a:xfrm>
-          <a:off x="0" y="0"/>
-          <a:ext cx="0" cy="0"/>
-          <a:chOff x="0" y="0"/>
-          <a:chExt cx="0" cy="0"/>
-        </a:xfrm>
-      </p:grpSpPr>
-      <p:grpSp>
-        <p:nvGrpSpPr>
-          <p:cNvPr id="4" name="Groep 3"/>
-          <p:cNvGrpSpPr/>
-          <p:nvPr/>
-        </p:nvGrpSpPr>
-        <p:grpSpPr>
-          <a:xfrm>
-            <a:off x="1678622" y="2090876"/>
-            <a:ext cx="3181411" cy="1050094"/>
-            <a:chOff x="169535" y="116281"/>
-            <a:chExt cx="1817761" cy="591578"/>
-          </a:xfrm>
-        </p:grpSpPr>
-        <p:grpSp>
-          <p:nvGrpSpPr>
-            <p:cNvPr id="5" name="Groep 4"/>
-            <p:cNvGrpSpPr/>
-            <p:nvPr/>
-          </p:nvGrpSpPr>
-          <p:grpSpPr>
-            <a:xfrm>
-              <a:off x="169535" y="447776"/>
-              <a:ext cx="1584176" cy="260083"/>
-              <a:chOff x="169535" y="447776"/>
-              <a:chExt cx="1584176" cy="260083"/>
-            </a:xfrm>
-          </p:grpSpPr>
-          <p:cxnSp>
-            <p:nvCxnSpPr>
-              <p:cNvPr id="9" name="Rechte verbindingslijn met pijl 8"/>
-              <p:cNvCxnSpPr/>
-              <p:nvPr/>
-            </p:nvCxnSpPr>
-            <p:spPr>
-              <a:xfrm>
-                <a:off x="169535" y="573998"/>
-                <a:ext cx="470514" cy="0"/>
-              </a:xfrm>
-              <a:prstGeom prst="straightConnector1">
-                <a:avLst/>
-              </a:prstGeom>
-              <a:ln w="31750">
-                <a:solidFill>
-                  <a:srgbClr val="96329E"/>
-                </a:solidFill>
-                <a:headEnd w="lg" len="lg"/>
-                <a:tailEnd type="arrow" w="lg" len="lg"/>
-              </a:ln>
-            </p:spPr>
-            <p:style>
-              <a:lnRef idx="1">
-                <a:schemeClr val="accent1"/>
-              </a:lnRef>
-              <a:fillRef idx="0">
-                <a:schemeClr val="accent1"/>
-              </a:fillRef>
-              <a:effectRef idx="0">
-                <a:schemeClr val="accent1"/>
-              </a:effectRef>
-              <a:fontRef idx="minor">
-                <a:schemeClr val="tx1"/>
-              </a:fontRef>
-            </p:style>
-          </p:cxnSp>
-          <p:sp>
-            <p:nvSpPr>
-              <p:cNvPr id="10" name="Tekstvak 9"/>
-              <p:cNvSpPr txBox="1">
-                <a:spLocks noChangeAspect="1"/>
-              </p:cNvSpPr>
-              <p:nvPr/>
-            </p:nvSpPr>
-            <p:spPr>
-              <a:xfrm>
-                <a:off x="647104" y="447776"/>
-                <a:ext cx="1106607" cy="260083"/>
-              </a:xfrm>
-              <a:prstGeom prst="rect">
-                <a:avLst/>
-              </a:prstGeom>
-              <a:noFill/>
-              <a:ln>
-                <a:noFill/>
-              </a:ln>
-            </p:spPr>
-            <p:txBody>
-              <a:bodyPr wrap="square" rtlCol="0" anchor="b" anchorCtr="0">
-                <a:spAutoFit/>
-              </a:bodyPr>
-              <a:lstStyle>
-                <a:defPPr>
-                  <a:defRPr lang="nl-BE"/>
-                </a:defPPr>
-                <a:lvl1pPr algn="ctr">
-                  <a:defRPr sz="2000">
-                    <a:latin typeface="Times New Roman" pitchFamily="18" charset="0"/>
-                    <a:cs typeface="Times New Roman" pitchFamily="18" charset="0"/>
-                  </a:defRPr>
-                </a:lvl1pPr>
-              </a:lstStyle>
-              <a:p>
-                <a:pPr algn="l"/>
-                <a:r>
-                  <a:rPr lang="nl-BE" sz="2400" dirty="0"/>
-                  <a:t>erft over van</a:t>
-                </a:r>
-              </a:p>
-            </p:txBody>
-          </p:sp>
-        </p:grpSp>
-        <p:grpSp>
-          <p:nvGrpSpPr>
-            <p:cNvPr id="6" name="Groep 5"/>
-            <p:cNvGrpSpPr/>
-            <p:nvPr/>
-          </p:nvGrpSpPr>
-          <p:grpSpPr>
-            <a:xfrm>
-              <a:off x="169535" y="116281"/>
-              <a:ext cx="1817761" cy="260083"/>
-              <a:chOff x="6110655" y="5061450"/>
-              <a:chExt cx="1817761" cy="260083"/>
-            </a:xfrm>
-          </p:grpSpPr>
-          <p:cxnSp>
-            <p:nvCxnSpPr>
-              <p:cNvPr id="7" name="Rechte verbindingslijn met pijl 6"/>
-              <p:cNvCxnSpPr/>
-              <p:nvPr/>
-            </p:nvCxnSpPr>
-            <p:spPr>
-              <a:xfrm>
-                <a:off x="6110655" y="5187672"/>
-                <a:ext cx="470514" cy="0"/>
-              </a:xfrm>
-              <a:prstGeom prst="straightConnector1">
-                <a:avLst/>
-              </a:prstGeom>
-              <a:ln w="31750">
-                <a:headEnd w="lg" len="lg"/>
-                <a:tailEnd type="arrow" w="lg" len="lg"/>
-              </a:ln>
-            </p:spPr>
-            <p:style>
-              <a:lnRef idx="1">
-                <a:schemeClr val="accent1"/>
-              </a:lnRef>
-              <a:fillRef idx="0">
-                <a:schemeClr val="accent1"/>
-              </a:fillRef>
-              <a:effectRef idx="0">
-                <a:schemeClr val="accent1"/>
-              </a:effectRef>
-              <a:fontRef idx="minor">
-                <a:schemeClr val="tx1"/>
-              </a:fontRef>
-            </p:style>
-          </p:cxnSp>
-          <p:sp>
-            <p:nvSpPr>
-              <p:cNvPr id="8" name="Tekstvak 7"/>
-              <p:cNvSpPr txBox="1">
-                <a:spLocks noChangeAspect="1"/>
-              </p:cNvSpPr>
-              <p:nvPr/>
-            </p:nvSpPr>
-            <p:spPr>
-              <a:xfrm>
-                <a:off x="6588224" y="5061450"/>
-                <a:ext cx="1340192" cy="260083"/>
-              </a:xfrm>
-              <a:prstGeom prst="rect">
-                <a:avLst/>
-              </a:prstGeom>
-              <a:noFill/>
-              <a:ln>
-                <a:noFill/>
-              </a:ln>
-            </p:spPr>
-            <p:txBody>
-              <a:bodyPr wrap="square" rtlCol="0" anchor="b" anchorCtr="0">
-                <a:spAutoFit/>
-              </a:bodyPr>
-              <a:lstStyle>
-                <a:defPPr>
-                  <a:defRPr lang="nl-BE"/>
-                </a:defPPr>
-                <a:lvl1pPr algn="ctr">
-                  <a:defRPr sz="2000">
-                    <a:latin typeface="Times New Roman" pitchFamily="18" charset="0"/>
-                    <a:cs typeface="Times New Roman" pitchFamily="18" charset="0"/>
-                  </a:defRPr>
-                </a:lvl1pPr>
-              </a:lstStyle>
-              <a:p>
-                <a:pPr algn="l"/>
-                <a:r>
-                  <a:rPr lang="nl-BE" sz="2400" dirty="0"/>
-                  <a:t>informatiestroom</a:t>
-                </a:r>
-                <a:endParaRPr lang="nl-BE" sz="1200" dirty="0"/>
-              </a:p>
-            </p:txBody>
-          </p:sp>
-        </p:grpSp>
-      </p:grpSp>
-    </p:spTree>
-    <p:extLst>
-      <p:ext uri="{BB962C8B-B14F-4D97-AF65-F5344CB8AC3E}">
-        <p14:creationId xmlns:p14="http://schemas.microsoft.com/office/powerpoint/2010/main" val="1890845119"/>
       </p:ext>
     </p:extLst>
   </p:cSld>

--- a/SilverSurferVerslag/Verslag demo 6/Klassendiagramma.pptx
+++ b/SilverSurferVerslag/Verslag demo 6/Klassendiagramma.pptx
@@ -303,7 +303,7 @@
           <a:p>
             <a:fld id="{C9E9C0BE-A832-44F7-BFB7-77E7A556107C}" type="datetimeFigureOut">
               <a:rPr lang="nl-BE" smtClean="0"/>
-              <a:t>16/04/2013</a:t>
+              <a:t>23/04/2013</a:t>
             </a:fld>
             <a:endParaRPr lang="nl-BE"/>
           </a:p>
@@ -473,7 +473,7 @@
           <a:p>
             <a:fld id="{C9E9C0BE-A832-44F7-BFB7-77E7A556107C}" type="datetimeFigureOut">
               <a:rPr lang="nl-BE" smtClean="0"/>
-              <a:t>16/04/2013</a:t>
+              <a:t>23/04/2013</a:t>
             </a:fld>
             <a:endParaRPr lang="nl-BE"/>
           </a:p>
@@ -653,7 +653,7 @@
           <a:p>
             <a:fld id="{C9E9C0BE-A832-44F7-BFB7-77E7A556107C}" type="datetimeFigureOut">
               <a:rPr lang="nl-BE" smtClean="0"/>
-              <a:t>16/04/2013</a:t>
+              <a:t>23/04/2013</a:t>
             </a:fld>
             <a:endParaRPr lang="nl-BE"/>
           </a:p>
@@ -823,7 +823,7 @@
           <a:p>
             <a:fld id="{C9E9C0BE-A832-44F7-BFB7-77E7A556107C}" type="datetimeFigureOut">
               <a:rPr lang="nl-BE" smtClean="0"/>
-              <a:t>16/04/2013</a:t>
+              <a:t>23/04/2013</a:t>
             </a:fld>
             <a:endParaRPr lang="nl-BE"/>
           </a:p>
@@ -1069,7 +1069,7 @@
           <a:p>
             <a:fld id="{C9E9C0BE-A832-44F7-BFB7-77E7A556107C}" type="datetimeFigureOut">
               <a:rPr lang="nl-BE" smtClean="0"/>
-              <a:t>16/04/2013</a:t>
+              <a:t>23/04/2013</a:t>
             </a:fld>
             <a:endParaRPr lang="nl-BE"/>
           </a:p>
@@ -1357,7 +1357,7 @@
           <a:p>
             <a:fld id="{C9E9C0BE-A832-44F7-BFB7-77E7A556107C}" type="datetimeFigureOut">
               <a:rPr lang="nl-BE" smtClean="0"/>
-              <a:t>16/04/2013</a:t>
+              <a:t>23/04/2013</a:t>
             </a:fld>
             <a:endParaRPr lang="nl-BE"/>
           </a:p>
@@ -1779,7 +1779,7 @@
           <a:p>
             <a:fld id="{C9E9C0BE-A832-44F7-BFB7-77E7A556107C}" type="datetimeFigureOut">
               <a:rPr lang="nl-BE" smtClean="0"/>
-              <a:t>16/04/2013</a:t>
+              <a:t>23/04/2013</a:t>
             </a:fld>
             <a:endParaRPr lang="nl-BE"/>
           </a:p>
@@ -1897,7 +1897,7 @@
           <a:p>
             <a:fld id="{C9E9C0BE-A832-44F7-BFB7-77E7A556107C}" type="datetimeFigureOut">
               <a:rPr lang="nl-BE" smtClean="0"/>
-              <a:t>16/04/2013</a:t>
+              <a:t>23/04/2013</a:t>
             </a:fld>
             <a:endParaRPr lang="nl-BE"/>
           </a:p>
@@ -1992,7 +1992,7 @@
           <a:p>
             <a:fld id="{C9E9C0BE-A832-44F7-BFB7-77E7A556107C}" type="datetimeFigureOut">
               <a:rPr lang="nl-BE" smtClean="0"/>
-              <a:t>16/04/2013</a:t>
+              <a:t>23/04/2013</a:t>
             </a:fld>
             <a:endParaRPr lang="nl-BE"/>
           </a:p>
@@ -2269,7 +2269,7 @@
           <a:p>
             <a:fld id="{C9E9C0BE-A832-44F7-BFB7-77E7A556107C}" type="datetimeFigureOut">
               <a:rPr lang="nl-BE" smtClean="0"/>
-              <a:t>16/04/2013</a:t>
+              <a:t>23/04/2013</a:t>
             </a:fld>
             <a:endParaRPr lang="nl-BE"/>
           </a:p>
@@ -2522,7 +2522,7 @@
           <a:p>
             <a:fld id="{C9E9C0BE-A832-44F7-BFB7-77E7A556107C}" type="datetimeFigureOut">
               <a:rPr lang="nl-BE" smtClean="0"/>
-              <a:t>16/04/2013</a:t>
+              <a:t>23/04/2013</a:t>
             </a:fld>
             <a:endParaRPr lang="nl-BE"/>
           </a:p>
@@ -2735,7 +2735,7 @@
           <a:p>
             <a:fld id="{C9E9C0BE-A832-44F7-BFB7-77E7A556107C}" type="datetimeFigureOut">
               <a:rPr lang="nl-BE" smtClean="0"/>
-              <a:t>16/04/2013</a:t>
+              <a:t>23/04/2013</a:t>
             </a:fld>
             <a:endParaRPr lang="nl-BE"/>
           </a:p>
@@ -3118,10 +3118,10 @@
         </p:nvGrpSpPr>
         <p:grpSpPr>
           <a:xfrm>
-            <a:off x="299608" y="543256"/>
-            <a:ext cx="8500865" cy="5864615"/>
-            <a:chOff x="342306" y="548680"/>
-            <a:chExt cx="8500865" cy="5864615"/>
+            <a:off x="299606" y="320694"/>
+            <a:ext cx="8500867" cy="6087177"/>
+            <a:chOff x="342304" y="326118"/>
+            <a:chExt cx="8500867" cy="6087177"/>
           </a:xfrm>
         </p:grpSpPr>
         <p:grpSp>
@@ -3132,10 +3132,10 @@
           </p:nvGrpSpPr>
           <p:grpSpPr>
             <a:xfrm>
-              <a:off x="342306" y="548680"/>
-              <a:ext cx="6598970" cy="3718958"/>
-              <a:chOff x="342306" y="548680"/>
-              <a:chExt cx="6598970" cy="3718958"/>
+              <a:off x="342304" y="326118"/>
+              <a:ext cx="6598972" cy="4252108"/>
+              <a:chOff x="342304" y="326118"/>
+              <a:chExt cx="6598972" cy="4252108"/>
             </a:xfrm>
           </p:grpSpPr>
           <p:grpSp>
@@ -3146,10 +3146,10 @@
             </p:nvGrpSpPr>
             <p:grpSpPr>
               <a:xfrm>
-                <a:off x="1151679" y="2565150"/>
-                <a:ext cx="1883093" cy="1410100"/>
-                <a:chOff x="1562187" y="3067253"/>
-                <a:chExt cx="2725094" cy="2573359"/>
+                <a:off x="1151677" y="2342587"/>
+                <a:ext cx="1883094" cy="1943251"/>
+                <a:chOff x="1562185" y="2661087"/>
+                <a:chExt cx="2725094" cy="3546332"/>
               </a:xfrm>
             </p:grpSpPr>
             <p:cxnSp>
@@ -3163,8 +3163,8 @@
               </p:nvCxnSpPr>
               <p:spPr>
                 <a:xfrm rot="5400000">
-                  <a:off x="1667493" y="2961950"/>
-                  <a:ext cx="1127865" cy="1338476"/>
+                  <a:off x="1464411" y="2758867"/>
+                  <a:ext cx="1534029" cy="1338476"/>
                 </a:xfrm>
                 <a:prstGeom prst="bentConnector3">
                   <a:avLst>
@@ -3206,8 +3206,8 @@
               </p:nvCxnSpPr>
               <p:spPr>
                 <a:xfrm rot="16200000" flipH="1">
-                  <a:off x="3030038" y="2937878"/>
-                  <a:ext cx="1127867" cy="1386618"/>
+                  <a:off x="2826955" y="2734795"/>
+                  <a:ext cx="1534031" cy="1386616"/>
                 </a:xfrm>
                 <a:prstGeom prst="bentConnector3">
                   <a:avLst>
@@ -3248,9 +3248,9 @@
                 <p:nvPr/>
               </p:nvCxnSpPr>
               <p:spPr>
-                <a:xfrm>
-                  <a:off x="1562187" y="4728711"/>
-                  <a:ext cx="0" cy="911901"/>
+                <a:xfrm flipH="1">
+                  <a:off x="1562185" y="4728711"/>
+                  <a:ext cx="1" cy="1478708"/>
                 </a:xfrm>
                 <a:prstGeom prst="straightConnector1">
                   <a:avLst/>
@@ -3287,10 +3287,10 @@
             </p:nvGrpSpPr>
             <p:grpSpPr>
               <a:xfrm>
-                <a:off x="342306" y="548680"/>
-                <a:ext cx="6598970" cy="3718958"/>
-                <a:chOff x="390913" y="-612698"/>
-                <a:chExt cx="9549617" cy="6786903"/>
+                <a:off x="342304" y="326118"/>
+                <a:ext cx="6598972" cy="4252108"/>
+                <a:chOff x="390911" y="-1018862"/>
+                <a:chExt cx="9549619" cy="7759875"/>
               </a:xfrm>
             </p:grpSpPr>
             <p:sp>
@@ -3303,8 +3303,8 @@
               </p:nvSpPr>
               <p:spPr>
                 <a:xfrm>
-                  <a:off x="1729391" y="-612698"/>
-                  <a:ext cx="2342547" cy="674012"/>
+                  <a:off x="1729391" y="-1018862"/>
+                  <a:ext cx="2342547" cy="674011"/>
                 </a:xfrm>
                 <a:prstGeom prst="rect">
                   <a:avLst/>
@@ -3352,7 +3352,7 @@
               </p:nvSpPr>
               <p:spPr>
                 <a:xfrm>
-                  <a:off x="1729391" y="1007859"/>
+                  <a:off x="1729391" y="601695"/>
                   <a:ext cx="2342547" cy="533593"/>
                 </a:xfrm>
                 <a:prstGeom prst="rect">
@@ -3396,8 +3396,8 @@
               </p:nvSpPr>
               <p:spPr>
                 <a:xfrm>
-                  <a:off x="390913" y="5640612"/>
-                  <a:ext cx="2342547" cy="533593"/>
+                  <a:off x="390911" y="6207420"/>
+                  <a:ext cx="2342546" cy="533593"/>
                 </a:xfrm>
                 <a:prstGeom prst="rect">
                   <a:avLst/>
@@ -3487,8 +3487,8 @@
               </p:nvSpPr>
               <p:spPr>
                 <a:xfrm>
-                  <a:off x="1729389" y="2533661"/>
-                  <a:ext cx="2342546" cy="533593"/>
+                  <a:off x="1729389" y="2127497"/>
+                  <a:ext cx="2342547" cy="533593"/>
                 </a:xfrm>
                 <a:prstGeom prst="rect">
                   <a:avLst/>
@@ -3534,7 +3534,7 @@
               </p:nvSpPr>
               <p:spPr>
                 <a:xfrm>
-                  <a:off x="7597986" y="2545806"/>
+                  <a:off x="7597986" y="2139642"/>
                   <a:ext cx="2342544" cy="533593"/>
                 </a:xfrm>
                 <a:prstGeom prst="rect">
@@ -3624,9 +3624,9 @@
             </p:nvGrpSpPr>
             <p:grpSpPr>
               <a:xfrm>
-                <a:off x="2076592" y="918012"/>
+                <a:off x="2076592" y="695450"/>
                 <a:ext cx="3245940" cy="1507600"/>
-                <a:chOff x="2900664" y="61313"/>
+                <a:chOff x="2900664" y="-344851"/>
                 <a:chExt cx="4697322" cy="2751290"/>
               </a:xfrm>
             </p:grpSpPr>
@@ -3641,7 +3641,7 @@
               </p:nvCxnSpPr>
               <p:spPr>
                 <a:xfrm flipV="1">
-                  <a:off x="2900665" y="61313"/>
+                  <a:off x="2900665" y="-344851"/>
                   <a:ext cx="0" cy="946545"/>
                 </a:xfrm>
                 <a:prstGeom prst="straightConnector1">
@@ -3678,7 +3678,7 @@
               </p:nvCxnSpPr>
               <p:spPr>
                 <a:xfrm flipV="1">
-                  <a:off x="2900664" y="1541451"/>
+                  <a:off x="2900664" y="1135287"/>
                   <a:ext cx="1" cy="992209"/>
                 </a:xfrm>
                 <a:prstGeom prst="straightConnector1">
@@ -3715,7 +3715,7 @@
               </p:nvCxnSpPr>
               <p:spPr>
                 <a:xfrm flipH="1" flipV="1">
-                  <a:off x="4071934" y="2800458"/>
+                  <a:off x="4071934" y="2394294"/>
                   <a:ext cx="3526052" cy="12145"/>
                 </a:xfrm>
                 <a:prstGeom prst="straightConnector1">
@@ -3751,10 +3751,10 @@
           </p:nvGrpSpPr>
           <p:grpSpPr>
             <a:xfrm>
-              <a:off x="4377113" y="2571805"/>
-              <a:ext cx="4466058" cy="2607362"/>
-              <a:chOff x="4377113" y="2571805"/>
-              <a:chExt cx="4466058" cy="2607362"/>
+              <a:off x="4377113" y="2349243"/>
+              <a:ext cx="4466058" cy="2829924"/>
+              <a:chOff x="4377113" y="2349243"/>
+              <a:chExt cx="4466058" cy="2829924"/>
             </a:xfrm>
           </p:grpSpPr>
           <p:grpSp>
@@ -3765,10 +3765,10 @@
             </p:nvGrpSpPr>
             <p:grpSpPr>
               <a:xfrm>
-                <a:off x="5186484" y="2571805"/>
-                <a:ext cx="2847314" cy="1714032"/>
-                <a:chOff x="5186484" y="2571805"/>
-                <a:chExt cx="2847314" cy="1714032"/>
+                <a:off x="5186485" y="2349243"/>
+                <a:ext cx="2847313" cy="1936594"/>
+                <a:chOff x="5186485" y="2349243"/>
+                <a:chExt cx="2847313" cy="1936594"/>
               </a:xfrm>
             </p:grpSpPr>
             <p:cxnSp>
@@ -3782,8 +3782,8 @@
               </p:nvCxnSpPr>
               <p:spPr>
                 <a:xfrm rot="16200000" flipH="1">
-                  <a:off x="6298927" y="2404781"/>
-                  <a:ext cx="611372" cy="945420"/>
+                  <a:off x="6187647" y="2293500"/>
+                  <a:ext cx="833934" cy="945419"/>
                 </a:xfrm>
                 <a:prstGeom prst="bentConnector3">
                   <a:avLst/>
@@ -3823,8 +3823,8 @@
               </p:nvCxnSpPr>
               <p:spPr>
                 <a:xfrm rot="5400000">
-                  <a:off x="5353508" y="2404783"/>
-                  <a:ext cx="611372" cy="945419"/>
+                  <a:off x="5242228" y="2293500"/>
+                  <a:ext cx="833934" cy="945420"/>
                 </a:xfrm>
                 <a:prstGeom prst="bentConnector3">
                   <a:avLst>
@@ -4544,7 +4544,7 @@
         </p:nvGrpSpPr>
         <p:grpSpPr>
           <a:xfrm>
-            <a:off x="5892386" y="543256"/>
+            <a:off x="5892420" y="320694"/>
             <a:ext cx="2908087" cy="811634"/>
             <a:chOff x="4584585" y="880918"/>
             <a:chExt cx="2908087" cy="811634"/>
@@ -4593,10 +4593,6 @@
                   </a:rPr>
                   <a:t>A</a:t>
                 </a:r>
-                <a:endParaRPr lang="nl-BE" sz="1300" dirty="0">
-                  <a:latin typeface="Times New Roman" pitchFamily="18" charset="0"/>
-                  <a:cs typeface="Times New Roman" pitchFamily="18" charset="0"/>
-                </a:endParaRPr>
               </a:p>
             </p:txBody>
           </p:sp>
@@ -4753,10 +4749,6 @@
                   </a:rPr>
                   <a:t>A</a:t>
                 </a:r>
-                <a:endParaRPr lang="nl-BE" sz="1300" dirty="0">
-                  <a:latin typeface="Times New Roman" pitchFamily="18" charset="0"/>
-                  <a:cs typeface="Times New Roman" pitchFamily="18" charset="0"/>
-                </a:endParaRPr>
               </a:p>
             </p:txBody>
           </p:sp>
@@ -4917,10 +4909,6 @@
                   </a:rPr>
                   <a:t>A</a:t>
                 </a:r>
-                <a:endParaRPr lang="nl-BE" sz="1300" dirty="0">
-                  <a:latin typeface="Times New Roman" pitchFamily="18" charset="0"/>
-                  <a:cs typeface="Times New Roman" pitchFamily="18" charset="0"/>
-                </a:endParaRPr>
               </a:p>
             </p:txBody>
           </p:sp>
